--- a/presentation/Presentation.pptx
+++ b/presentation/Presentation.pptx
@@ -5,7 +5,7 @@
     <p:sldMasterId id="2147483660" r:id="rId1"/>
   </p:sldMasterIdLst>
   <p:notesMasterIdLst>
-    <p:notesMasterId r:id="rId13"/>
+    <p:notesMasterId r:id="rId31"/>
   </p:notesMasterIdLst>
   <p:sldIdLst>
     <p:sldId id="256" r:id="rId2"/>
@@ -19,6 +19,24 @@
     <p:sldId id="265" r:id="rId10"/>
     <p:sldId id="266" r:id="rId11"/>
     <p:sldId id="267" r:id="rId12"/>
+    <p:sldId id="268" r:id="rId13"/>
+    <p:sldId id="269" r:id="rId14"/>
+    <p:sldId id="270" r:id="rId15"/>
+    <p:sldId id="271" r:id="rId16"/>
+    <p:sldId id="272" r:id="rId17"/>
+    <p:sldId id="273" r:id="rId18"/>
+    <p:sldId id="274" r:id="rId19"/>
+    <p:sldId id="275" r:id="rId20"/>
+    <p:sldId id="276" r:id="rId21"/>
+    <p:sldId id="277" r:id="rId22"/>
+    <p:sldId id="278" r:id="rId23"/>
+    <p:sldId id="279" r:id="rId24"/>
+    <p:sldId id="280" r:id="rId25"/>
+    <p:sldId id="282" r:id="rId26"/>
+    <p:sldId id="283" r:id="rId27"/>
+    <p:sldId id="284" r:id="rId28"/>
+    <p:sldId id="285" r:id="rId29"/>
+    <p:sldId id="286" r:id="rId30"/>
   </p:sldIdLst>
   <p:sldSz cx="9144000" cy="6858000" type="screen4x3"/>
   <p:notesSz cx="6858000" cy="9144000"/>
@@ -207,7 +225,7 @@
           <a:p>
             <a:fld id="{C182D140-C81C-41FC-8ECB-B82C16E31A9E}" type="datetimeFigureOut">
               <a:rPr lang="en-US" smtClean="0"/>
-              <a:t>8/4/2016</a:t>
+              <a:t>8/5/2016</a:t>
             </a:fld>
             <a:endParaRPr lang="en-US"/>
           </a:p>
@@ -617,6 +635,90 @@
 </p:notes>
 </file>
 
+<file path=ppt/notesSlides/notesSlide2.xml><?xml version="1.0" encoding="utf-8"?>
+<p:notes xmlns:a="http://schemas.openxmlformats.org/drawingml/2006/main" xmlns:r="http://schemas.openxmlformats.org/officeDocument/2006/relationships" xmlns:p="http://schemas.openxmlformats.org/presentationml/2006/main">
+  <p:cSld>
+    <p:spTree>
+      <p:nvGrpSpPr>
+        <p:cNvPr id="1" name=""/>
+        <p:cNvGrpSpPr/>
+        <p:nvPr/>
+      </p:nvGrpSpPr>
+      <p:grpSpPr>
+        <a:xfrm>
+          <a:off x="0" y="0"/>
+          <a:ext cx="0" cy="0"/>
+          <a:chOff x="0" y="0"/>
+          <a:chExt cx="0" cy="0"/>
+        </a:xfrm>
+      </p:grpSpPr>
+      <p:sp>
+        <p:nvSpPr>
+          <p:cNvPr id="2" name="Slide Image Placeholder 1"/>
+          <p:cNvSpPr>
+            <a:spLocks noGrp="1" noRot="1" noChangeAspect="1"/>
+          </p:cNvSpPr>
+          <p:nvPr>
+            <p:ph type="sldImg"/>
+          </p:nvPr>
+        </p:nvSpPr>
+        <p:spPr/>
+      </p:sp>
+      <p:sp>
+        <p:nvSpPr>
+          <p:cNvPr id="3" name="Notes Placeholder 2"/>
+          <p:cNvSpPr>
+            <a:spLocks noGrp="1"/>
+          </p:cNvSpPr>
+          <p:nvPr>
+            <p:ph type="body" idx="1"/>
+          </p:nvPr>
+        </p:nvSpPr>
+        <p:spPr/>
+        <p:txBody>
+          <a:bodyPr/>
+          <a:lstStyle/>
+          <a:p>
+            <a:endParaRPr lang="en-US" dirty="0"/>
+          </a:p>
+        </p:txBody>
+      </p:sp>
+      <p:sp>
+        <p:nvSpPr>
+          <p:cNvPr id="4" name="Slide Number Placeholder 3"/>
+          <p:cNvSpPr>
+            <a:spLocks noGrp="1"/>
+          </p:cNvSpPr>
+          <p:nvPr>
+            <p:ph type="sldNum" sz="quarter" idx="10"/>
+          </p:nvPr>
+        </p:nvSpPr>
+        <p:spPr/>
+        <p:txBody>
+          <a:bodyPr/>
+          <a:lstStyle/>
+          <a:p>
+            <a:fld id="{9B6AED14-3C5A-4749-800A-405A238F8C4D}" type="slidenum">
+              <a:rPr lang="en-US" smtClean="0"/>
+              <a:t>12</a:t>
+            </a:fld>
+            <a:endParaRPr lang="en-US"/>
+          </a:p>
+        </p:txBody>
+      </p:sp>
+    </p:spTree>
+    <p:extLst>
+      <p:ext uri="{BB962C8B-B14F-4D97-AF65-F5344CB8AC3E}">
+        <p14:creationId xmlns:p14="http://schemas.microsoft.com/office/powerpoint/2010/main" val="402249273"/>
+      </p:ext>
+    </p:extLst>
+  </p:cSld>
+  <p:clrMapOvr>
+    <a:masterClrMapping/>
+  </p:clrMapOvr>
+</p:notes>
+</file>
+
 <file path=ppt/slideLayouts/slideLayout1.xml><?xml version="1.0" encoding="utf-8"?>
 <p:sldLayout xmlns:a="http://schemas.openxmlformats.org/drawingml/2006/main" xmlns:r="http://schemas.openxmlformats.org/officeDocument/2006/relationships" xmlns:p="http://schemas.openxmlformats.org/presentationml/2006/main" type="title" preserve="1">
   <p:cSld name="Title Slide">
@@ -748,7 +850,7 @@
           <a:p>
             <a:fld id="{E8F6AACC-1BE1-44A9-9226-7DBCA53C1D93}" type="datetimeFigureOut">
               <a:rPr lang="en-US" smtClean="0"/>
-              <a:t>8/4/2016</a:t>
+              <a:t>8/5/2016</a:t>
             </a:fld>
             <a:endParaRPr lang="en-US"/>
           </a:p>
@@ -918,7 +1020,7 @@
           <a:p>
             <a:fld id="{E8F6AACC-1BE1-44A9-9226-7DBCA53C1D93}" type="datetimeFigureOut">
               <a:rPr lang="en-US" smtClean="0"/>
-              <a:t>8/4/2016</a:t>
+              <a:t>8/5/2016</a:t>
             </a:fld>
             <a:endParaRPr lang="en-US"/>
           </a:p>
@@ -1098,7 +1200,7 @@
           <a:p>
             <a:fld id="{E8F6AACC-1BE1-44A9-9226-7DBCA53C1D93}" type="datetimeFigureOut">
               <a:rPr lang="en-US" smtClean="0"/>
-              <a:t>8/4/2016</a:t>
+              <a:t>8/5/2016</a:t>
             </a:fld>
             <a:endParaRPr lang="en-US"/>
           </a:p>
@@ -1268,7 +1370,7 @@
           <a:p>
             <a:fld id="{E8F6AACC-1BE1-44A9-9226-7DBCA53C1D93}" type="datetimeFigureOut">
               <a:rPr lang="en-US" smtClean="0"/>
-              <a:t>8/4/2016</a:t>
+              <a:t>8/5/2016</a:t>
             </a:fld>
             <a:endParaRPr lang="en-US"/>
           </a:p>
@@ -1512,7 +1614,7 @@
           <a:p>
             <a:fld id="{E8F6AACC-1BE1-44A9-9226-7DBCA53C1D93}" type="datetimeFigureOut">
               <a:rPr lang="en-US" smtClean="0"/>
-              <a:t>8/4/2016</a:t>
+              <a:t>8/5/2016</a:t>
             </a:fld>
             <a:endParaRPr lang="en-US"/>
           </a:p>
@@ -1744,7 +1846,7 @@
           <a:p>
             <a:fld id="{E8F6AACC-1BE1-44A9-9226-7DBCA53C1D93}" type="datetimeFigureOut">
               <a:rPr lang="en-US" smtClean="0"/>
-              <a:t>8/4/2016</a:t>
+              <a:t>8/5/2016</a:t>
             </a:fld>
             <a:endParaRPr lang="en-US"/>
           </a:p>
@@ -2111,7 +2213,7 @@
           <a:p>
             <a:fld id="{E8F6AACC-1BE1-44A9-9226-7DBCA53C1D93}" type="datetimeFigureOut">
               <a:rPr lang="en-US" smtClean="0"/>
-              <a:t>8/4/2016</a:t>
+              <a:t>8/5/2016</a:t>
             </a:fld>
             <a:endParaRPr lang="en-US"/>
           </a:p>
@@ -2229,7 +2331,7 @@
           <a:p>
             <a:fld id="{E8F6AACC-1BE1-44A9-9226-7DBCA53C1D93}" type="datetimeFigureOut">
               <a:rPr lang="en-US" smtClean="0"/>
-              <a:t>8/4/2016</a:t>
+              <a:t>8/5/2016</a:t>
             </a:fld>
             <a:endParaRPr lang="en-US"/>
           </a:p>
@@ -2324,7 +2426,7 @@
           <a:p>
             <a:fld id="{E8F6AACC-1BE1-44A9-9226-7DBCA53C1D93}" type="datetimeFigureOut">
               <a:rPr lang="en-US" smtClean="0"/>
-              <a:t>8/4/2016</a:t>
+              <a:t>8/5/2016</a:t>
             </a:fld>
             <a:endParaRPr lang="en-US"/>
           </a:p>
@@ -2601,7 +2703,7 @@
           <a:p>
             <a:fld id="{E8F6AACC-1BE1-44A9-9226-7DBCA53C1D93}" type="datetimeFigureOut">
               <a:rPr lang="en-US" smtClean="0"/>
-              <a:t>8/4/2016</a:t>
+              <a:t>8/5/2016</a:t>
             </a:fld>
             <a:endParaRPr lang="en-US"/>
           </a:p>
@@ -2858,7 +2960,7 @@
           <a:p>
             <a:fld id="{E8F6AACC-1BE1-44A9-9226-7DBCA53C1D93}" type="datetimeFigureOut">
               <a:rPr lang="en-US" smtClean="0"/>
-              <a:t>8/4/2016</a:t>
+              <a:t>8/5/2016</a:t>
             </a:fld>
             <a:endParaRPr lang="en-US"/>
           </a:p>
@@ -2923,9 +3025,18 @@
 <p:sldMaster xmlns:a="http://schemas.openxmlformats.org/drawingml/2006/main" xmlns:r="http://schemas.openxmlformats.org/officeDocument/2006/relationships" xmlns:p="http://schemas.openxmlformats.org/presentationml/2006/main">
   <p:cSld>
     <p:bg>
-      <p:bgRef idx="1001">
-        <a:schemeClr val="bg1"/>
-      </p:bgRef>
+      <p:bgPr>
+        <a:blipFill dpi="0" rotWithShape="1">
+          <a:blip r:embed="rId13">
+            <a:lum/>
+          </a:blip>
+          <a:srcRect/>
+          <a:stretch>
+            <a:fillRect/>
+          </a:stretch>
+        </a:blipFill>
+        <a:effectLst/>
+      </p:bgPr>
     </p:bg>
     <p:spTree>
       <p:nvGrpSpPr>
@@ -3071,7 +3182,7 @@
           <a:p>
             <a:fld id="{E8F6AACC-1BE1-44A9-9226-7DBCA53C1D93}" type="datetimeFigureOut">
               <a:rPr lang="en-US" smtClean="0"/>
-              <a:t>8/4/2016</a:t>
+              <a:t>8/5/2016</a:t>
             </a:fld>
             <a:endParaRPr lang="en-US"/>
           </a:p>
@@ -3809,6 +3920,13 @@
   <p:clrMapOvr>
     <a:masterClrMapping/>
   </p:clrMapOvr>
+  <p:timing>
+    <p:tnLst>
+      <p:par>
+        <p:cTn id="1" dur="indefinite" restart="never" nodeType="tmRoot"/>
+      </p:par>
+    </p:tnLst>
+  </p:timing>
 </p:sld>
 </file>
 
@@ -3884,10 +4002,17 @@
   <p:clrMapOvr>
     <a:masterClrMapping/>
   </p:clrMapOvr>
+  <p:timing>
+    <p:tnLst>
+      <p:par>
+        <p:cTn id="1" dur="indefinite" restart="never" nodeType="tmRoot"/>
+      </p:par>
+    </p:tnLst>
+  </p:timing>
 </p:sld>
 </file>
 
-<file path=ppt/slides/slide2.xml><?xml version="1.0" encoding="utf-8"?>
+<file path=ppt/slides/slide12.xml><?xml version="1.0" encoding="utf-8"?>
 <p:sld xmlns:a="http://schemas.openxmlformats.org/drawingml/2006/main" xmlns:r="http://schemas.openxmlformats.org/officeDocument/2006/relationships" xmlns:p="http://schemas.openxmlformats.org/presentationml/2006/main">
   <p:cSld>
     <p:spTree>
@@ -3913,6 +4038,119 @@
           <p:nvPr/>
         </p:nvPicPr>
         <p:blipFill>
+          <a:blip r:embed="rId3">
+            <a:extLst>
+              <a:ext uri="{28A0092B-C50C-407E-A947-70E740481C1C}">
+                <a14:useLocalDpi xmlns:a14="http://schemas.microsoft.com/office/drawing/2010/main" val="0"/>
+              </a:ext>
+            </a:extLst>
+          </a:blip>
+          <a:stretch>
+            <a:fillRect/>
+          </a:stretch>
+        </p:blipFill>
+        <p:spPr>
+          <a:xfrm>
+            <a:off x="0" y="963436"/>
+            <a:ext cx="9144000" cy="5140990"/>
+          </a:xfrm>
+          <a:prstGeom prst="rect">
+            <a:avLst/>
+          </a:prstGeom>
+        </p:spPr>
+      </p:pic>
+      <p:sp>
+        <p:nvSpPr>
+          <p:cNvPr id="5" name="TextBox 4"/>
+          <p:cNvSpPr txBox="1"/>
+          <p:nvPr/>
+        </p:nvSpPr>
+        <p:spPr>
+          <a:xfrm>
+            <a:off x="3552670" y="3297836"/>
+            <a:ext cx="5096656" cy="646331"/>
+          </a:xfrm>
+          <a:prstGeom prst="rect">
+            <a:avLst/>
+          </a:prstGeom>
+          <a:noFill/>
+        </p:spPr>
+        <p:txBody>
+          <a:bodyPr wrap="square" rtlCol="0">
+            <a:spAutoFit/>
+          </a:bodyPr>
+          <a:lstStyle/>
+          <a:p>
+            <a:r>
+              <a:rPr lang="en-US" sz="3600" b="1" dirty="0" smtClean="0">
+                <a:effectLst>
+                  <a:outerShdw blurRad="50800" dist="38100" dir="18900000" algn="bl" rotWithShape="0">
+                    <a:prstClr val="black">
+                      <a:alpha val="40000"/>
+                    </a:prstClr>
+                  </a:outerShdw>
+                </a:effectLst>
+              </a:rPr>
+              <a:t>Only C and D drives exist</a:t>
+            </a:r>
+            <a:endParaRPr lang="en-US" sz="3600" b="1" dirty="0">
+              <a:effectLst>
+                <a:outerShdw blurRad="50800" dist="38100" dir="18900000" algn="bl" rotWithShape="0">
+                  <a:prstClr val="black">
+                    <a:alpha val="40000"/>
+                  </a:prstClr>
+                </a:outerShdw>
+              </a:effectLst>
+            </a:endParaRPr>
+          </a:p>
+        </p:txBody>
+      </p:sp>
+    </p:spTree>
+    <p:extLst>
+      <p:ext uri="{BB962C8B-B14F-4D97-AF65-F5344CB8AC3E}">
+        <p14:creationId xmlns:p14="http://schemas.microsoft.com/office/powerpoint/2010/main" val="4177234949"/>
+      </p:ext>
+    </p:extLst>
+  </p:cSld>
+  <p:clrMapOvr>
+    <a:masterClrMapping/>
+  </p:clrMapOvr>
+  <p:timing>
+    <p:tnLst>
+      <p:par>
+        <p:cTn id="1" dur="indefinite" restart="never" nodeType="tmRoot"/>
+      </p:par>
+    </p:tnLst>
+  </p:timing>
+</p:sld>
+</file>
+
+<file path=ppt/slides/slide13.xml><?xml version="1.0" encoding="utf-8"?>
+<p:sld xmlns:a="http://schemas.openxmlformats.org/drawingml/2006/main" xmlns:r="http://schemas.openxmlformats.org/officeDocument/2006/relationships" xmlns:p="http://schemas.openxmlformats.org/presentationml/2006/main">
+  <p:cSld>
+    <p:spTree>
+      <p:nvGrpSpPr>
+        <p:cNvPr id="1" name=""/>
+        <p:cNvGrpSpPr/>
+        <p:nvPr/>
+      </p:nvGrpSpPr>
+      <p:grpSpPr>
+        <a:xfrm>
+          <a:off x="0" y="0"/>
+          <a:ext cx="0" cy="0"/>
+          <a:chOff x="0" y="0"/>
+          <a:chExt cx="0" cy="0"/>
+        </a:xfrm>
+      </p:grpSpPr>
+      <p:pic>
+        <p:nvPicPr>
+          <p:cNvPr id="2" name="Picture 1"/>
+          <p:cNvPicPr>
+            <a:picLocks noChangeAspect="1"/>
+          </p:cNvPicPr>
+          <p:nvPr/>
+        </p:nvPicPr>
+        <p:blipFill>
           <a:blip r:embed="rId2">
             <a:extLst>
               <a:ext uri="{28A0092B-C50C-407E-A947-70E740481C1C}">
@@ -3926,31 +4164,875 @@
         </p:blipFill>
         <p:spPr>
           <a:xfrm>
-            <a:off x="0" y="-5081"/>
-            <a:ext cx="9144000" cy="6868161"/>
+            <a:off x="0" y="858505"/>
+            <a:ext cx="9144000" cy="5140990"/>
           </a:xfrm>
           <a:prstGeom prst="rect">
             <a:avLst/>
           </a:prstGeom>
-          <a:gradFill flip="none" rotWithShape="1">
-            <a:gsLst>
-              <a:gs pos="100000">
-                <a:schemeClr val="accent1">
-                  <a:lumMod val="60000"/>
-                  <a:lumOff val="40000"/>
-                </a:schemeClr>
-              </a:gs>
-              <a:gs pos="0">
+        </p:spPr>
+      </p:pic>
+      <p:sp>
+        <p:nvSpPr>
+          <p:cNvPr id="6" name="TextBox 5"/>
+          <p:cNvSpPr txBox="1"/>
+          <p:nvPr/>
+        </p:nvSpPr>
+        <p:spPr>
+          <a:xfrm>
+            <a:off x="1079292" y="3835170"/>
+            <a:ext cx="5096656" cy="1200329"/>
+          </a:xfrm>
+          <a:prstGeom prst="rect">
+            <a:avLst/>
+          </a:prstGeom>
+          <a:noFill/>
+        </p:spPr>
+        <p:txBody>
+          <a:bodyPr wrap="square" rtlCol="0">
+            <a:spAutoFit/>
+          </a:bodyPr>
+          <a:lstStyle/>
+          <a:p>
+            <a:r>
+              <a:rPr lang="en-US" sz="3600" b="1" dirty="0" smtClean="0">
+                <a:solidFill>
+                  <a:schemeClr val="bg1"/>
+                </a:solidFill>
+                <a:effectLst>
+                  <a:outerShdw blurRad="50800" dist="76200" dir="18900000" algn="bl" rotWithShape="0">
+                    <a:prstClr val="black">
+                      <a:alpha val="40000"/>
+                    </a:prstClr>
+                  </a:outerShdw>
+                </a:effectLst>
+              </a:rPr>
+              <a:t>Window’s Desktop</a:t>
+            </a:r>
+          </a:p>
+          <a:p>
+            <a:r>
+              <a:rPr lang="en-US" sz="3600" b="1" dirty="0" smtClean="0">
+                <a:solidFill>
+                  <a:schemeClr val="bg1"/>
+                </a:solidFill>
+                <a:effectLst>
+                  <a:outerShdw blurRad="50800" dist="76200" dir="18900000" algn="bl" rotWithShape="0">
+                    <a:prstClr val="black">
+                      <a:alpha val="40000"/>
+                    </a:prstClr>
+                  </a:outerShdw>
+                </a:effectLst>
+              </a:rPr>
+              <a:t>Double-Click uBox’ icon</a:t>
+            </a:r>
+            <a:endParaRPr lang="en-US" sz="3600" b="1" dirty="0">
+              <a:solidFill>
                 <a:schemeClr val="bg1"/>
-              </a:gs>
-            </a:gsLst>
-            <a:path path="circle">
-              <a:fillToRect l="50000" t="50000" r="50000" b="50000"/>
-            </a:path>
-            <a:tileRect/>
-          </a:gradFill>
+              </a:solidFill>
+              <a:effectLst>
+                <a:outerShdw blurRad="50800" dist="76200" dir="18900000" algn="bl" rotWithShape="0">
+                  <a:prstClr val="black">
+                    <a:alpha val="40000"/>
+                  </a:prstClr>
+                </a:outerShdw>
+              </a:effectLst>
+            </a:endParaRPr>
+          </a:p>
+        </p:txBody>
+      </p:sp>
+    </p:spTree>
+    <p:extLst>
+      <p:ext uri="{BB962C8B-B14F-4D97-AF65-F5344CB8AC3E}">
+        <p14:creationId xmlns:p14="http://schemas.microsoft.com/office/powerpoint/2010/main" val="2689037862"/>
+      </p:ext>
+    </p:extLst>
+  </p:cSld>
+  <p:clrMapOvr>
+    <a:masterClrMapping/>
+  </p:clrMapOvr>
+  <p:timing>
+    <p:tnLst>
+      <p:par>
+        <p:cTn id="1" dur="indefinite" restart="never" nodeType="tmRoot"/>
+      </p:par>
+    </p:tnLst>
+  </p:timing>
+</p:sld>
+</file>
+
+<file path=ppt/slides/slide14.xml><?xml version="1.0" encoding="utf-8"?>
+<p:sld xmlns:a="http://schemas.openxmlformats.org/drawingml/2006/main" xmlns:r="http://schemas.openxmlformats.org/officeDocument/2006/relationships" xmlns:p="http://schemas.openxmlformats.org/presentationml/2006/main">
+  <p:cSld>
+    <p:spTree>
+      <p:nvGrpSpPr>
+        <p:cNvPr id="1" name=""/>
+        <p:cNvGrpSpPr/>
+        <p:nvPr/>
+      </p:nvGrpSpPr>
+      <p:grpSpPr>
+        <a:xfrm>
+          <a:off x="0" y="0"/>
+          <a:ext cx="0" cy="0"/>
+          <a:chOff x="0" y="0"/>
+          <a:chExt cx="0" cy="0"/>
+        </a:xfrm>
+      </p:grpSpPr>
+      <p:pic>
+        <p:nvPicPr>
+          <p:cNvPr id="2" name="Picture 1"/>
+          <p:cNvPicPr>
+            <a:picLocks noChangeAspect="1"/>
+          </p:cNvPicPr>
+          <p:nvPr/>
+        </p:nvPicPr>
+        <p:blipFill>
+          <a:blip r:embed="rId2">
+            <a:extLst>
+              <a:ext uri="{28A0092B-C50C-407E-A947-70E740481C1C}">
+                <a14:useLocalDpi xmlns:a14="http://schemas.microsoft.com/office/drawing/2010/main" val="0"/>
+              </a:ext>
+            </a:extLst>
+          </a:blip>
+          <a:stretch>
+            <a:fillRect/>
+          </a:stretch>
+        </p:blipFill>
+        <p:spPr>
+          <a:xfrm>
+            <a:off x="0" y="858505"/>
+            <a:ext cx="9144000" cy="5140990"/>
+          </a:xfrm>
+          <a:prstGeom prst="rect">
+            <a:avLst/>
+          </a:prstGeom>
         </p:spPr>
       </p:pic>
+      <p:sp>
+        <p:nvSpPr>
+          <p:cNvPr id="3" name="TextBox 2"/>
+          <p:cNvSpPr txBox="1"/>
+          <p:nvPr/>
+        </p:nvSpPr>
+        <p:spPr>
+          <a:xfrm>
+            <a:off x="1079292" y="3835170"/>
+            <a:ext cx="5096656" cy="1200329"/>
+          </a:xfrm>
+          <a:prstGeom prst="rect">
+            <a:avLst/>
+          </a:prstGeom>
+          <a:noFill/>
+        </p:spPr>
+        <p:txBody>
+          <a:bodyPr wrap="square" rtlCol="0">
+            <a:spAutoFit/>
+          </a:bodyPr>
+          <a:lstStyle/>
+          <a:p>
+            <a:r>
+              <a:rPr lang="en-US" sz="3600" b="1" dirty="0" smtClean="0">
+                <a:solidFill>
+                  <a:schemeClr val="bg1"/>
+                </a:solidFill>
+                <a:effectLst>
+                  <a:outerShdw blurRad="50800" dist="76200" dir="18900000" algn="bl" rotWithShape="0">
+                    <a:prstClr val="black">
+                      <a:alpha val="40000"/>
+                    </a:prstClr>
+                  </a:outerShdw>
+                </a:effectLst>
+              </a:rPr>
+              <a:t>uBox’ taskbar icon have appeared. Click it</a:t>
+            </a:r>
+            <a:endParaRPr lang="en-US" sz="3600" b="1" dirty="0">
+              <a:solidFill>
+                <a:schemeClr val="bg1"/>
+              </a:solidFill>
+              <a:effectLst>
+                <a:outerShdw blurRad="50800" dist="76200" dir="18900000" algn="bl" rotWithShape="0">
+                  <a:prstClr val="black">
+                    <a:alpha val="40000"/>
+                  </a:prstClr>
+                </a:outerShdw>
+              </a:effectLst>
+            </a:endParaRPr>
+          </a:p>
+        </p:txBody>
+      </p:sp>
+    </p:spTree>
+    <p:extLst>
+      <p:ext uri="{BB962C8B-B14F-4D97-AF65-F5344CB8AC3E}">
+        <p14:creationId xmlns:p14="http://schemas.microsoft.com/office/powerpoint/2010/main" val="794934718"/>
+      </p:ext>
+    </p:extLst>
+  </p:cSld>
+  <p:clrMapOvr>
+    <a:masterClrMapping/>
+  </p:clrMapOvr>
+  <p:timing>
+    <p:tnLst>
+      <p:par>
+        <p:cTn id="1" dur="indefinite" restart="never" nodeType="tmRoot"/>
+      </p:par>
+    </p:tnLst>
+  </p:timing>
+</p:sld>
+</file>
+
+<file path=ppt/slides/slide15.xml><?xml version="1.0" encoding="utf-8"?>
+<p:sld xmlns:a="http://schemas.openxmlformats.org/drawingml/2006/main" xmlns:r="http://schemas.openxmlformats.org/officeDocument/2006/relationships" xmlns:p="http://schemas.openxmlformats.org/presentationml/2006/main">
+  <p:cSld>
+    <p:spTree>
+      <p:nvGrpSpPr>
+        <p:cNvPr id="1" name=""/>
+        <p:cNvGrpSpPr/>
+        <p:nvPr/>
+      </p:nvGrpSpPr>
+      <p:grpSpPr>
+        <a:xfrm>
+          <a:off x="0" y="0"/>
+          <a:ext cx="0" cy="0"/>
+          <a:chOff x="0" y="0"/>
+          <a:chExt cx="0" cy="0"/>
+        </a:xfrm>
+      </p:grpSpPr>
+      <p:pic>
+        <p:nvPicPr>
+          <p:cNvPr id="2" name="Picture 1"/>
+          <p:cNvPicPr>
+            <a:picLocks noChangeAspect="1"/>
+          </p:cNvPicPr>
+          <p:nvPr/>
+        </p:nvPicPr>
+        <p:blipFill>
+          <a:blip r:embed="rId2">
+            <a:extLst>
+              <a:ext uri="{28A0092B-C50C-407E-A947-70E740481C1C}">
+                <a14:useLocalDpi xmlns:a14="http://schemas.microsoft.com/office/drawing/2010/main" val="0"/>
+              </a:ext>
+            </a:extLst>
+          </a:blip>
+          <a:stretch>
+            <a:fillRect/>
+          </a:stretch>
+        </p:blipFill>
+        <p:spPr>
+          <a:xfrm>
+            <a:off x="0" y="858505"/>
+            <a:ext cx="9144000" cy="5140990"/>
+          </a:xfrm>
+          <a:prstGeom prst="rect">
+            <a:avLst/>
+          </a:prstGeom>
+        </p:spPr>
+      </p:pic>
+      <p:sp>
+        <p:nvSpPr>
+          <p:cNvPr id="3" name="TextBox 2"/>
+          <p:cNvSpPr txBox="1"/>
+          <p:nvPr/>
+        </p:nvSpPr>
+        <p:spPr>
+          <a:xfrm>
+            <a:off x="3132944" y="3595328"/>
+            <a:ext cx="3552669" cy="1200329"/>
+          </a:xfrm>
+          <a:prstGeom prst="rect">
+            <a:avLst/>
+          </a:prstGeom>
+          <a:noFill/>
+        </p:spPr>
+        <p:txBody>
+          <a:bodyPr wrap="square" rtlCol="0">
+            <a:spAutoFit/>
+          </a:bodyPr>
+          <a:lstStyle/>
+          <a:p>
+            <a:r>
+              <a:rPr lang="en-US" sz="3600" b="1" dirty="0" smtClean="0">
+                <a:effectLst>
+                  <a:outerShdw blurRad="50800" dist="50800" dir="18900000" algn="bl" rotWithShape="0">
+                    <a:prstClr val="black">
+                      <a:alpha val="40000"/>
+                    </a:prstClr>
+                  </a:outerShdw>
+                </a:effectLst>
+              </a:rPr>
+              <a:t>uBox’ drive have appeared</a:t>
+            </a:r>
+            <a:endParaRPr lang="en-US" sz="3600" b="1" dirty="0">
+              <a:effectLst>
+                <a:outerShdw blurRad="50800" dist="50800" dir="18900000" algn="bl" rotWithShape="0">
+                  <a:prstClr val="black">
+                    <a:alpha val="40000"/>
+                  </a:prstClr>
+                </a:outerShdw>
+              </a:effectLst>
+            </a:endParaRPr>
+          </a:p>
+        </p:txBody>
+      </p:sp>
+    </p:spTree>
+    <p:extLst>
+      <p:ext uri="{BB962C8B-B14F-4D97-AF65-F5344CB8AC3E}">
+        <p14:creationId xmlns:p14="http://schemas.microsoft.com/office/powerpoint/2010/main" val="3153844418"/>
+      </p:ext>
+    </p:extLst>
+  </p:cSld>
+  <p:clrMapOvr>
+    <a:masterClrMapping/>
+  </p:clrMapOvr>
+  <p:timing>
+    <p:tnLst>
+      <p:par>
+        <p:cTn id="1" dur="indefinite" restart="never" nodeType="tmRoot"/>
+      </p:par>
+    </p:tnLst>
+  </p:timing>
+</p:sld>
+</file>
+
+<file path=ppt/slides/slide16.xml><?xml version="1.0" encoding="utf-8"?>
+<p:sld xmlns:a="http://schemas.openxmlformats.org/drawingml/2006/main" xmlns:r="http://schemas.openxmlformats.org/officeDocument/2006/relationships" xmlns:p="http://schemas.openxmlformats.org/presentationml/2006/main">
+  <p:cSld>
+    <p:spTree>
+      <p:nvGrpSpPr>
+        <p:cNvPr id="1" name=""/>
+        <p:cNvGrpSpPr/>
+        <p:nvPr/>
+      </p:nvGrpSpPr>
+      <p:grpSpPr>
+        <a:xfrm>
+          <a:off x="0" y="0"/>
+          <a:ext cx="0" cy="0"/>
+          <a:chOff x="0" y="0"/>
+          <a:chExt cx="0" cy="0"/>
+        </a:xfrm>
+      </p:grpSpPr>
+      <p:pic>
+        <p:nvPicPr>
+          <p:cNvPr id="2" name="Picture 1"/>
+          <p:cNvPicPr>
+            <a:picLocks noChangeAspect="1"/>
+          </p:cNvPicPr>
+          <p:nvPr/>
+        </p:nvPicPr>
+        <p:blipFill>
+          <a:blip r:embed="rId2">
+            <a:extLst>
+              <a:ext uri="{28A0092B-C50C-407E-A947-70E740481C1C}">
+                <a14:useLocalDpi xmlns:a14="http://schemas.microsoft.com/office/drawing/2010/main" val="0"/>
+              </a:ext>
+            </a:extLst>
+          </a:blip>
+          <a:stretch>
+            <a:fillRect/>
+          </a:stretch>
+        </p:blipFill>
+        <p:spPr>
+          <a:xfrm>
+            <a:off x="0" y="858505"/>
+            <a:ext cx="9144000" cy="5140990"/>
+          </a:xfrm>
+          <a:prstGeom prst="rect">
+            <a:avLst/>
+          </a:prstGeom>
+        </p:spPr>
+      </p:pic>
+      <p:sp>
+        <p:nvSpPr>
+          <p:cNvPr id="4" name="TextBox 3"/>
+          <p:cNvSpPr txBox="1"/>
+          <p:nvPr/>
+        </p:nvSpPr>
+        <p:spPr>
+          <a:xfrm>
+            <a:off x="3582650" y="3429000"/>
+            <a:ext cx="2488366" cy="646331"/>
+          </a:xfrm>
+          <a:prstGeom prst="rect">
+            <a:avLst/>
+          </a:prstGeom>
+          <a:noFill/>
+        </p:spPr>
+        <p:txBody>
+          <a:bodyPr wrap="square" rtlCol="0">
+            <a:spAutoFit/>
+          </a:bodyPr>
+          <a:lstStyle/>
+          <a:p>
+            <a:r>
+              <a:rPr lang="en-US" sz="3600" b="1" dirty="0" smtClean="0">
+                <a:effectLst>
+                  <a:outerShdw blurRad="50800" dist="38100" dir="18900000" algn="bl" rotWithShape="0">
+                    <a:prstClr val="black">
+                      <a:alpha val="40000"/>
+                    </a:prstClr>
+                  </a:outerShdw>
+                </a:effectLst>
+              </a:rPr>
+              <a:t>uBox drive</a:t>
+            </a:r>
+            <a:endParaRPr lang="en-US" sz="3600" b="1" dirty="0">
+              <a:effectLst>
+                <a:outerShdw blurRad="50800" dist="38100" dir="18900000" algn="bl" rotWithShape="0">
+                  <a:prstClr val="black">
+                    <a:alpha val="40000"/>
+                  </a:prstClr>
+                </a:outerShdw>
+              </a:effectLst>
+            </a:endParaRPr>
+          </a:p>
+        </p:txBody>
+      </p:sp>
+    </p:spTree>
+    <p:extLst>
+      <p:ext uri="{BB962C8B-B14F-4D97-AF65-F5344CB8AC3E}">
+        <p14:creationId xmlns:p14="http://schemas.microsoft.com/office/powerpoint/2010/main" val="1007833568"/>
+      </p:ext>
+    </p:extLst>
+  </p:cSld>
+  <p:clrMapOvr>
+    <a:masterClrMapping/>
+  </p:clrMapOvr>
+  <p:timing>
+    <p:tnLst>
+      <p:par>
+        <p:cTn id="1" dur="indefinite" restart="never" nodeType="tmRoot"/>
+      </p:par>
+    </p:tnLst>
+  </p:timing>
+</p:sld>
+</file>
+
+<file path=ppt/slides/slide17.xml><?xml version="1.0" encoding="utf-8"?>
+<p:sld xmlns:a="http://schemas.openxmlformats.org/drawingml/2006/main" xmlns:r="http://schemas.openxmlformats.org/officeDocument/2006/relationships" xmlns:p="http://schemas.openxmlformats.org/presentationml/2006/main">
+  <p:cSld>
+    <p:spTree>
+      <p:nvGrpSpPr>
+        <p:cNvPr id="1" name=""/>
+        <p:cNvGrpSpPr/>
+        <p:nvPr/>
+      </p:nvGrpSpPr>
+      <p:grpSpPr>
+        <a:xfrm>
+          <a:off x="0" y="0"/>
+          <a:ext cx="0" cy="0"/>
+          <a:chOff x="0" y="0"/>
+          <a:chExt cx="0" cy="0"/>
+        </a:xfrm>
+      </p:grpSpPr>
+      <p:pic>
+        <p:nvPicPr>
+          <p:cNvPr id="2" name="Picture 1"/>
+          <p:cNvPicPr>
+            <a:picLocks noChangeAspect="1"/>
+          </p:cNvPicPr>
+          <p:nvPr/>
+        </p:nvPicPr>
+        <p:blipFill>
+          <a:blip r:embed="rId2">
+            <a:extLst>
+              <a:ext uri="{28A0092B-C50C-407E-A947-70E740481C1C}">
+                <a14:useLocalDpi xmlns:a14="http://schemas.microsoft.com/office/drawing/2010/main" val="0"/>
+              </a:ext>
+            </a:extLst>
+          </a:blip>
+          <a:stretch>
+            <a:fillRect/>
+          </a:stretch>
+        </p:blipFill>
+        <p:spPr>
+          <a:xfrm>
+            <a:off x="0" y="858505"/>
+            <a:ext cx="9144000" cy="5140990"/>
+          </a:xfrm>
+          <a:prstGeom prst="rect">
+            <a:avLst/>
+          </a:prstGeom>
+        </p:spPr>
+      </p:pic>
+      <p:sp>
+        <p:nvSpPr>
+          <p:cNvPr id="3" name="TextBox 2"/>
+          <p:cNvSpPr txBox="1"/>
+          <p:nvPr/>
+        </p:nvSpPr>
+        <p:spPr>
+          <a:xfrm>
+            <a:off x="2368446" y="3429000"/>
+            <a:ext cx="6071016" cy="646331"/>
+          </a:xfrm>
+          <a:prstGeom prst="rect">
+            <a:avLst/>
+          </a:prstGeom>
+          <a:noFill/>
+        </p:spPr>
+        <p:txBody>
+          <a:bodyPr wrap="square" rtlCol="0">
+            <a:spAutoFit/>
+          </a:bodyPr>
+          <a:lstStyle/>
+          <a:p>
+            <a:r>
+              <a:rPr lang="en-US" sz="3600" b="1" dirty="0" smtClean="0">
+                <a:effectLst>
+                  <a:outerShdw blurRad="50800" dist="38100" dir="18900000" algn="bl" rotWithShape="0">
+                    <a:prstClr val="black">
+                      <a:alpha val="40000"/>
+                    </a:prstClr>
+                  </a:outerShdw>
+                </a:effectLst>
+              </a:rPr>
+              <a:t>Files are automatically synced</a:t>
+            </a:r>
+            <a:endParaRPr lang="en-US" sz="3600" b="1" dirty="0">
+              <a:effectLst>
+                <a:outerShdw blurRad="50800" dist="38100" dir="18900000" algn="bl" rotWithShape="0">
+                  <a:prstClr val="black">
+                    <a:alpha val="40000"/>
+                  </a:prstClr>
+                </a:outerShdw>
+              </a:effectLst>
+            </a:endParaRPr>
+          </a:p>
+        </p:txBody>
+      </p:sp>
+    </p:spTree>
+    <p:extLst>
+      <p:ext uri="{BB962C8B-B14F-4D97-AF65-F5344CB8AC3E}">
+        <p14:creationId xmlns:p14="http://schemas.microsoft.com/office/powerpoint/2010/main" val="54219069"/>
+      </p:ext>
+    </p:extLst>
+  </p:cSld>
+  <p:clrMapOvr>
+    <a:masterClrMapping/>
+  </p:clrMapOvr>
+  <p:timing>
+    <p:tnLst>
+      <p:par>
+        <p:cTn id="1" dur="indefinite" restart="never" nodeType="tmRoot"/>
+      </p:par>
+    </p:tnLst>
+  </p:timing>
+</p:sld>
+</file>
+
+<file path=ppt/slides/slide18.xml><?xml version="1.0" encoding="utf-8"?>
+<p:sld xmlns:a="http://schemas.openxmlformats.org/drawingml/2006/main" xmlns:r="http://schemas.openxmlformats.org/officeDocument/2006/relationships" xmlns:p="http://schemas.openxmlformats.org/presentationml/2006/main">
+  <p:cSld>
+    <p:spTree>
+      <p:nvGrpSpPr>
+        <p:cNvPr id="1" name=""/>
+        <p:cNvGrpSpPr/>
+        <p:nvPr/>
+      </p:nvGrpSpPr>
+      <p:grpSpPr>
+        <a:xfrm>
+          <a:off x="0" y="0"/>
+          <a:ext cx="0" cy="0"/>
+          <a:chOff x="0" y="0"/>
+          <a:chExt cx="0" cy="0"/>
+        </a:xfrm>
+      </p:grpSpPr>
+      <p:pic>
+        <p:nvPicPr>
+          <p:cNvPr id="2" name="Picture 1"/>
+          <p:cNvPicPr>
+            <a:picLocks noChangeAspect="1"/>
+          </p:cNvPicPr>
+          <p:nvPr/>
+        </p:nvPicPr>
+        <p:blipFill>
+          <a:blip r:embed="rId2">
+            <a:extLst>
+              <a:ext uri="{28A0092B-C50C-407E-A947-70E740481C1C}">
+                <a14:useLocalDpi xmlns:a14="http://schemas.microsoft.com/office/drawing/2010/main" val="0"/>
+              </a:ext>
+            </a:extLst>
+          </a:blip>
+          <a:stretch>
+            <a:fillRect/>
+          </a:stretch>
+        </p:blipFill>
+        <p:spPr>
+          <a:xfrm>
+            <a:off x="0" y="858505"/>
+            <a:ext cx="9144000" cy="5140990"/>
+          </a:xfrm>
+          <a:prstGeom prst="rect">
+            <a:avLst/>
+          </a:prstGeom>
+        </p:spPr>
+      </p:pic>
+      <mc:AlternateContent xmlns:mc="http://schemas.openxmlformats.org/markup-compatibility/2006">
+        <mc:Choice xmlns:a14="http://schemas.microsoft.com/office/drawing/2010/main" Requires="a14">
+          <p:sp>
+            <p:nvSpPr>
+              <p:cNvPr id="3" name="TextBox 2"/>
+              <p:cNvSpPr txBox="1"/>
+              <p:nvPr/>
+            </p:nvSpPr>
+            <p:spPr>
+              <a:xfrm>
+                <a:off x="3267856" y="4568253"/>
+                <a:ext cx="4736891" cy="646331"/>
+              </a:xfrm>
+              <a:prstGeom prst="rect">
+                <a:avLst/>
+              </a:prstGeom>
+              <a:noFill/>
+            </p:spPr>
+            <p:txBody>
+              <a:bodyPr wrap="square" rtlCol="0">
+                <a:spAutoFit/>
+              </a:bodyPr>
+              <a:lstStyle/>
+              <a:p>
+                <a:r>
+                  <a:rPr lang="en-US" sz="3600" b="1" dirty="0" smtClean="0">
+                    <a:effectLst>
+                      <a:outerShdw blurRad="50800" dist="38100" dir="18900000" algn="bl" rotWithShape="0">
+                        <a:prstClr val="black">
+                          <a:alpha val="40000"/>
+                        </a:prstClr>
+                      </a:outerShdw>
+                    </a:effectLst>
+                  </a:rPr>
+                  <a:t>Left click </a:t>
+                </a:r>
+                <a14:m>
+                  <m:oMath xmlns:m="http://schemas.openxmlformats.org/officeDocument/2006/math">
+                    <m:r>
+                      <a:rPr lang="en-US" sz="3600" b="1" i="1" smtClean="0">
+                        <a:effectLst>
+                          <a:outerShdw blurRad="50800" dist="38100" dir="18900000" algn="bl" rotWithShape="0">
+                            <a:prstClr val="black">
+                              <a:alpha val="40000"/>
+                            </a:prstClr>
+                          </a:outerShdw>
+                        </a:effectLst>
+                        <a:latin typeface="Cambria Math" panose="02040503050406030204" pitchFamily="18" charset="0"/>
+                      </a:rPr>
+                      <m:t>→</m:t>
+                    </m:r>
+                  </m:oMath>
+                </a14:m>
+                <a:r>
+                  <a:rPr lang="en-US" sz="3600" b="1" dirty="0" smtClean="0">
+                    <a:effectLst>
+                      <a:outerShdw blurRad="50800" dist="38100" dir="18900000" algn="bl" rotWithShape="0">
+                        <a:prstClr val="black">
+                          <a:alpha val="40000"/>
+                        </a:prstClr>
+                      </a:outerShdw>
+                    </a:effectLst>
+                  </a:rPr>
+                  <a:t> Add follow</a:t>
+                </a:r>
+                <a:endParaRPr lang="en-US" sz="3600" b="1" dirty="0">
+                  <a:effectLst>
+                    <a:outerShdw blurRad="50800" dist="38100" dir="18900000" algn="bl" rotWithShape="0">
+                      <a:prstClr val="black">
+                        <a:alpha val="40000"/>
+                      </a:prstClr>
+                    </a:outerShdw>
+                  </a:effectLst>
+                </a:endParaRPr>
+              </a:p>
+            </p:txBody>
+          </p:sp>
+        </mc:Choice>
+        <mc:Fallback>
+          <p:sp>
+            <p:nvSpPr>
+              <p:cNvPr id="3" name="TextBox 2"/>
+              <p:cNvSpPr txBox="1">
+                <a:spLocks noRot="1" noChangeAspect="1" noMove="1" noResize="1" noEditPoints="1" noAdjustHandles="1" noChangeArrowheads="1" noChangeShapeType="1" noTextEdit="1"/>
+              </p:cNvSpPr>
+              <p:nvPr/>
+            </p:nvSpPr>
+            <p:spPr>
+              <a:xfrm>
+                <a:off x="3267856" y="4568253"/>
+                <a:ext cx="4736891" cy="646331"/>
+              </a:xfrm>
+              <a:prstGeom prst="rect">
+                <a:avLst/>
+              </a:prstGeom>
+              <a:blipFill rotWithShape="0">
+                <a:blip r:embed="rId3"/>
+                <a:stretch>
+                  <a:fillRect l="-4247" t="-21698" b="-37736"/>
+                </a:stretch>
+              </a:blipFill>
+            </p:spPr>
+            <p:txBody>
+              <a:bodyPr/>
+              <a:lstStyle/>
+              <a:p>
+                <a:r>
+                  <a:rPr lang="en-US">
+                    <a:noFill/>
+                  </a:rPr>
+                  <a:t> </a:t>
+                </a:r>
+              </a:p>
+            </p:txBody>
+          </p:sp>
+        </mc:Fallback>
+      </mc:AlternateContent>
+    </p:spTree>
+    <p:extLst>
+      <p:ext uri="{BB962C8B-B14F-4D97-AF65-F5344CB8AC3E}">
+        <p14:creationId xmlns:p14="http://schemas.microsoft.com/office/powerpoint/2010/main" val="3744748984"/>
+      </p:ext>
+    </p:extLst>
+  </p:cSld>
+  <p:clrMapOvr>
+    <a:masterClrMapping/>
+  </p:clrMapOvr>
+  <p:timing>
+    <p:tnLst>
+      <p:par>
+        <p:cTn id="1" dur="indefinite" restart="never" nodeType="tmRoot"/>
+      </p:par>
+    </p:tnLst>
+  </p:timing>
+</p:sld>
+</file>
+
+<file path=ppt/slides/slide19.xml><?xml version="1.0" encoding="utf-8"?>
+<p:sld xmlns:a="http://schemas.openxmlformats.org/drawingml/2006/main" xmlns:r="http://schemas.openxmlformats.org/officeDocument/2006/relationships" xmlns:p="http://schemas.openxmlformats.org/presentationml/2006/main">
+  <p:cSld>
+    <p:spTree>
+      <p:nvGrpSpPr>
+        <p:cNvPr id="1" name=""/>
+        <p:cNvGrpSpPr/>
+        <p:nvPr/>
+      </p:nvGrpSpPr>
+      <p:grpSpPr>
+        <a:xfrm>
+          <a:off x="0" y="0"/>
+          <a:ext cx="0" cy="0"/>
+          <a:chOff x="0" y="0"/>
+          <a:chExt cx="0" cy="0"/>
+        </a:xfrm>
+      </p:grpSpPr>
+      <p:pic>
+        <p:nvPicPr>
+          <p:cNvPr id="2" name="Picture 1"/>
+          <p:cNvPicPr>
+            <a:picLocks noChangeAspect="1"/>
+          </p:cNvPicPr>
+          <p:nvPr/>
+        </p:nvPicPr>
+        <p:blipFill>
+          <a:blip r:embed="rId2">
+            <a:extLst>
+              <a:ext uri="{28A0092B-C50C-407E-A947-70E740481C1C}">
+                <a14:useLocalDpi xmlns:a14="http://schemas.microsoft.com/office/drawing/2010/main" val="0"/>
+              </a:ext>
+            </a:extLst>
+          </a:blip>
+          <a:stretch>
+            <a:fillRect/>
+          </a:stretch>
+        </p:blipFill>
+        <p:spPr>
+          <a:xfrm>
+            <a:off x="0" y="858505"/>
+            <a:ext cx="9144000" cy="5140990"/>
+          </a:xfrm>
+          <a:prstGeom prst="rect">
+            <a:avLst/>
+          </a:prstGeom>
+        </p:spPr>
+      </p:pic>
+      <p:sp>
+        <p:nvSpPr>
+          <p:cNvPr id="3" name="TextBox 2"/>
+          <p:cNvSpPr txBox="1"/>
+          <p:nvPr/>
+        </p:nvSpPr>
+        <p:spPr>
+          <a:xfrm>
+            <a:off x="2128603" y="4418352"/>
+            <a:ext cx="6026046" cy="646331"/>
+          </a:xfrm>
+          <a:prstGeom prst="rect">
+            <a:avLst/>
+          </a:prstGeom>
+          <a:noFill/>
+        </p:spPr>
+        <p:txBody>
+          <a:bodyPr wrap="square" rtlCol="0">
+            <a:spAutoFit/>
+          </a:bodyPr>
+          <a:lstStyle/>
+          <a:p>
+            <a:r>
+              <a:rPr lang="en-US" sz="3600" b="1" dirty="0" smtClean="0">
+                <a:effectLst>
+                  <a:outerShdw blurRad="50800" dist="38100" dir="18900000" algn="bl" rotWithShape="0">
+                    <a:prstClr val="black">
+                      <a:alpha val="40000"/>
+                    </a:prstClr>
+                  </a:outerShdw>
+                </a:effectLst>
+              </a:rPr>
+              <a:t>Clone or follow other drives</a:t>
+            </a:r>
+            <a:endParaRPr lang="en-US" sz="3600" b="1" dirty="0">
+              <a:effectLst>
+                <a:outerShdw blurRad="50800" dist="38100" dir="18900000" algn="bl" rotWithShape="0">
+                  <a:prstClr val="black">
+                    <a:alpha val="40000"/>
+                  </a:prstClr>
+                </a:outerShdw>
+              </a:effectLst>
+            </a:endParaRPr>
+          </a:p>
+        </p:txBody>
+      </p:sp>
+    </p:spTree>
+    <p:extLst>
+      <p:ext uri="{BB962C8B-B14F-4D97-AF65-F5344CB8AC3E}">
+        <p14:creationId xmlns:p14="http://schemas.microsoft.com/office/powerpoint/2010/main" val="3605519814"/>
+      </p:ext>
+    </p:extLst>
+  </p:cSld>
+  <p:clrMapOvr>
+    <a:masterClrMapping/>
+  </p:clrMapOvr>
+  <p:timing>
+    <p:tnLst>
+      <p:par>
+        <p:cTn id="1" dur="indefinite" restart="never" nodeType="tmRoot"/>
+      </p:par>
+    </p:tnLst>
+  </p:timing>
+</p:sld>
+</file>
+
+<file path=ppt/slides/slide2.xml><?xml version="1.0" encoding="utf-8"?>
+<p:sld xmlns:a="http://schemas.openxmlformats.org/drawingml/2006/main" xmlns:r="http://schemas.openxmlformats.org/officeDocument/2006/relationships" xmlns:p="http://schemas.openxmlformats.org/presentationml/2006/main">
+  <p:cSld>
+    <p:spTree>
+      <p:nvGrpSpPr>
+        <p:cNvPr id="1" name=""/>
+        <p:cNvGrpSpPr/>
+        <p:nvPr/>
+      </p:nvGrpSpPr>
+      <p:grpSpPr>
+        <a:xfrm>
+          <a:off x="0" y="0"/>
+          <a:ext cx="0" cy="0"/>
+          <a:chOff x="0" y="0"/>
+          <a:chExt cx="0" cy="0"/>
+        </a:xfrm>
+      </p:grpSpPr>
       <p:sp>
         <p:nvSpPr>
           <p:cNvPr id="2" name="Title 1"/>
@@ -4189,7 +5271,7 @@
           <p:nvPr/>
         </p:nvPicPr>
         <p:blipFill>
-          <a:blip r:embed="rId3" cstate="print">
+          <a:blip r:embed="rId2" cstate="print">
             <a:extLst>
               <a:ext uri="{28A0092B-C50C-407E-A947-70E740481C1C}">
                 <a14:useLocalDpi xmlns:a14="http://schemas.microsoft.com/office/drawing/2010/main" val="0"/>
@@ -4316,7 +5398,7 @@
           <p:nvPr/>
         </p:nvPicPr>
         <p:blipFill>
-          <a:blip r:embed="rId4" cstate="print">
+          <a:blip r:embed="rId3" cstate="print">
             <a:extLst>
               <a:ext uri="{28A0092B-C50C-407E-A947-70E740481C1C}">
                 <a14:useLocalDpi xmlns:a14="http://schemas.microsoft.com/office/drawing/2010/main" val="0"/>
@@ -4616,6 +5698,1044 @@
     <p:extLst>
       <p:ext uri="{BB962C8B-B14F-4D97-AF65-F5344CB8AC3E}">
         <p14:creationId xmlns:p14="http://schemas.microsoft.com/office/powerpoint/2010/main" val="2117879780"/>
+      </p:ext>
+    </p:extLst>
+  </p:cSld>
+  <p:clrMapOvr>
+    <a:masterClrMapping/>
+  </p:clrMapOvr>
+  <p:timing>
+    <p:tnLst>
+      <p:par>
+        <p:cTn id="1" dur="indefinite" restart="never" nodeType="tmRoot"/>
+      </p:par>
+    </p:tnLst>
+  </p:timing>
+</p:sld>
+</file>
+
+<file path=ppt/slides/slide20.xml><?xml version="1.0" encoding="utf-8"?>
+<p:sld xmlns:a="http://schemas.openxmlformats.org/drawingml/2006/main" xmlns:r="http://schemas.openxmlformats.org/officeDocument/2006/relationships" xmlns:p="http://schemas.openxmlformats.org/presentationml/2006/main">
+  <p:cSld>
+    <p:spTree>
+      <p:nvGrpSpPr>
+        <p:cNvPr id="1" name=""/>
+        <p:cNvGrpSpPr/>
+        <p:nvPr/>
+      </p:nvGrpSpPr>
+      <p:grpSpPr>
+        <a:xfrm>
+          <a:off x="0" y="0"/>
+          <a:ext cx="0" cy="0"/>
+          <a:chOff x="0" y="0"/>
+          <a:chExt cx="0" cy="0"/>
+        </a:xfrm>
+      </p:grpSpPr>
+      <p:pic>
+        <p:nvPicPr>
+          <p:cNvPr id="2" name="Picture 1"/>
+          <p:cNvPicPr>
+            <a:picLocks noChangeAspect="1"/>
+          </p:cNvPicPr>
+          <p:nvPr/>
+        </p:nvPicPr>
+        <p:blipFill>
+          <a:blip r:embed="rId2">
+            <a:extLst>
+              <a:ext uri="{28A0092B-C50C-407E-A947-70E740481C1C}">
+                <a14:useLocalDpi xmlns:a14="http://schemas.microsoft.com/office/drawing/2010/main" val="0"/>
+              </a:ext>
+            </a:extLst>
+          </a:blip>
+          <a:stretch>
+            <a:fillRect/>
+          </a:stretch>
+        </p:blipFill>
+        <p:spPr>
+          <a:xfrm>
+            <a:off x="0" y="858505"/>
+            <a:ext cx="9144000" cy="5140990"/>
+          </a:xfrm>
+          <a:prstGeom prst="rect">
+            <a:avLst/>
+          </a:prstGeom>
+        </p:spPr>
+      </p:pic>
+      <p:sp>
+        <p:nvSpPr>
+          <p:cNvPr id="3" name="TextBox 2"/>
+          <p:cNvSpPr txBox="1"/>
+          <p:nvPr/>
+        </p:nvSpPr>
+        <p:spPr>
+          <a:xfrm>
+            <a:off x="2128603" y="4418352"/>
+            <a:ext cx="6026046" cy="646331"/>
+          </a:xfrm>
+          <a:prstGeom prst="rect">
+            <a:avLst/>
+          </a:prstGeom>
+          <a:noFill/>
+        </p:spPr>
+        <p:txBody>
+          <a:bodyPr wrap="square" rtlCol="0">
+            <a:spAutoFit/>
+          </a:bodyPr>
+          <a:lstStyle/>
+          <a:p>
+            <a:r>
+              <a:rPr lang="en-US" sz="3600" b="1" dirty="0" smtClean="0">
+                <a:effectLst>
+                  <a:outerShdw blurRad="50800" dist="38100" dir="18900000" algn="bl" rotWithShape="0">
+                    <a:prstClr val="black">
+                      <a:alpha val="40000"/>
+                    </a:prstClr>
+                  </a:outerShdw>
+                </a:effectLst>
+              </a:rPr>
+              <a:t>Clone or follow other drives</a:t>
+            </a:r>
+            <a:endParaRPr lang="en-US" sz="3600" b="1" dirty="0">
+              <a:effectLst>
+                <a:outerShdw blurRad="50800" dist="38100" dir="18900000" algn="bl" rotWithShape="0">
+                  <a:prstClr val="black">
+                    <a:alpha val="40000"/>
+                  </a:prstClr>
+                </a:outerShdw>
+              </a:effectLst>
+            </a:endParaRPr>
+          </a:p>
+        </p:txBody>
+      </p:sp>
+    </p:spTree>
+    <p:extLst>
+      <p:ext uri="{BB962C8B-B14F-4D97-AF65-F5344CB8AC3E}">
+        <p14:creationId xmlns:p14="http://schemas.microsoft.com/office/powerpoint/2010/main" val="3044063785"/>
+      </p:ext>
+    </p:extLst>
+  </p:cSld>
+  <p:clrMapOvr>
+    <a:masterClrMapping/>
+  </p:clrMapOvr>
+  <p:timing>
+    <p:tnLst>
+      <p:par>
+        <p:cTn id="1" dur="indefinite" restart="never" nodeType="tmRoot"/>
+      </p:par>
+    </p:tnLst>
+  </p:timing>
+</p:sld>
+</file>
+
+<file path=ppt/slides/slide21.xml><?xml version="1.0" encoding="utf-8"?>
+<p:sld xmlns:a="http://schemas.openxmlformats.org/drawingml/2006/main" xmlns:r="http://schemas.openxmlformats.org/officeDocument/2006/relationships" xmlns:p="http://schemas.openxmlformats.org/presentationml/2006/main">
+  <p:cSld>
+    <p:spTree>
+      <p:nvGrpSpPr>
+        <p:cNvPr id="1" name=""/>
+        <p:cNvGrpSpPr/>
+        <p:nvPr/>
+      </p:nvGrpSpPr>
+      <p:grpSpPr>
+        <a:xfrm>
+          <a:off x="0" y="0"/>
+          <a:ext cx="0" cy="0"/>
+          <a:chOff x="0" y="0"/>
+          <a:chExt cx="0" cy="0"/>
+        </a:xfrm>
+      </p:grpSpPr>
+      <p:pic>
+        <p:nvPicPr>
+          <p:cNvPr id="2" name="Picture 1"/>
+          <p:cNvPicPr>
+            <a:picLocks noChangeAspect="1"/>
+          </p:cNvPicPr>
+          <p:nvPr/>
+        </p:nvPicPr>
+        <p:blipFill>
+          <a:blip r:embed="rId2">
+            <a:extLst>
+              <a:ext uri="{28A0092B-C50C-407E-A947-70E740481C1C}">
+                <a14:useLocalDpi xmlns:a14="http://schemas.microsoft.com/office/drawing/2010/main" val="0"/>
+              </a:ext>
+            </a:extLst>
+          </a:blip>
+          <a:stretch>
+            <a:fillRect/>
+          </a:stretch>
+        </p:blipFill>
+        <p:spPr>
+          <a:xfrm>
+            <a:off x="0" y="858505"/>
+            <a:ext cx="9144000" cy="5140990"/>
+          </a:xfrm>
+          <a:prstGeom prst="rect">
+            <a:avLst/>
+          </a:prstGeom>
+        </p:spPr>
+      </p:pic>
+      <p:sp>
+        <p:nvSpPr>
+          <p:cNvPr id="3" name="TextBox 2"/>
+          <p:cNvSpPr txBox="1"/>
+          <p:nvPr/>
+        </p:nvSpPr>
+        <p:spPr>
+          <a:xfrm>
+            <a:off x="1843790" y="3410262"/>
+            <a:ext cx="6026046" cy="646331"/>
+          </a:xfrm>
+          <a:prstGeom prst="rect">
+            <a:avLst/>
+          </a:prstGeom>
+          <a:noFill/>
+        </p:spPr>
+        <p:txBody>
+          <a:bodyPr wrap="square" rtlCol="0">
+            <a:spAutoFit/>
+          </a:bodyPr>
+          <a:lstStyle/>
+          <a:p>
+            <a:r>
+              <a:rPr lang="en-US" sz="3600" b="1" dirty="0" smtClean="0">
+                <a:effectLst>
+                  <a:outerShdw blurRad="50800" dist="38100" dir="18900000" algn="bl" rotWithShape="0">
+                    <a:prstClr val="black">
+                      <a:alpha val="40000"/>
+                    </a:prstClr>
+                  </a:outerShdw>
+                </a:effectLst>
+              </a:rPr>
+              <a:t>Followed folders are read-only</a:t>
+            </a:r>
+            <a:endParaRPr lang="en-US" sz="3600" b="1" dirty="0">
+              <a:effectLst>
+                <a:outerShdw blurRad="50800" dist="38100" dir="18900000" algn="bl" rotWithShape="0">
+                  <a:prstClr val="black">
+                    <a:alpha val="40000"/>
+                  </a:prstClr>
+                </a:outerShdw>
+              </a:effectLst>
+            </a:endParaRPr>
+          </a:p>
+        </p:txBody>
+      </p:sp>
+    </p:spTree>
+    <p:extLst>
+      <p:ext uri="{BB962C8B-B14F-4D97-AF65-F5344CB8AC3E}">
+        <p14:creationId xmlns:p14="http://schemas.microsoft.com/office/powerpoint/2010/main" val="3224166923"/>
+      </p:ext>
+    </p:extLst>
+  </p:cSld>
+  <p:clrMapOvr>
+    <a:masterClrMapping/>
+  </p:clrMapOvr>
+  <p:timing>
+    <p:tnLst>
+      <p:par>
+        <p:cTn id="1" dur="indefinite" restart="never" nodeType="tmRoot"/>
+      </p:par>
+    </p:tnLst>
+  </p:timing>
+</p:sld>
+</file>
+
+<file path=ppt/slides/slide22.xml><?xml version="1.0" encoding="utf-8"?>
+<p:sld xmlns:a="http://schemas.openxmlformats.org/drawingml/2006/main" xmlns:r="http://schemas.openxmlformats.org/officeDocument/2006/relationships" xmlns:p="http://schemas.openxmlformats.org/presentationml/2006/main">
+  <p:cSld>
+    <p:spTree>
+      <p:nvGrpSpPr>
+        <p:cNvPr id="1" name=""/>
+        <p:cNvGrpSpPr/>
+        <p:nvPr/>
+      </p:nvGrpSpPr>
+      <p:grpSpPr>
+        <a:xfrm>
+          <a:off x="0" y="0"/>
+          <a:ext cx="0" cy="0"/>
+          <a:chOff x="0" y="0"/>
+          <a:chExt cx="0" cy="0"/>
+        </a:xfrm>
+      </p:grpSpPr>
+      <p:pic>
+        <p:nvPicPr>
+          <p:cNvPr id="2" name="Picture 1"/>
+          <p:cNvPicPr>
+            <a:picLocks noChangeAspect="1"/>
+          </p:cNvPicPr>
+          <p:nvPr/>
+        </p:nvPicPr>
+        <p:blipFill>
+          <a:blip r:embed="rId2">
+            <a:extLst>
+              <a:ext uri="{28A0092B-C50C-407E-A947-70E740481C1C}">
+                <a14:useLocalDpi xmlns:a14="http://schemas.microsoft.com/office/drawing/2010/main" val="0"/>
+              </a:ext>
+            </a:extLst>
+          </a:blip>
+          <a:stretch>
+            <a:fillRect/>
+          </a:stretch>
+        </p:blipFill>
+        <p:spPr>
+          <a:xfrm>
+            <a:off x="0" y="858505"/>
+            <a:ext cx="9144000" cy="5140990"/>
+          </a:xfrm>
+          <a:prstGeom prst="rect">
+            <a:avLst/>
+          </a:prstGeom>
+        </p:spPr>
+      </p:pic>
+      <p:sp>
+        <p:nvSpPr>
+          <p:cNvPr id="3" name="TextBox 2"/>
+          <p:cNvSpPr txBox="1"/>
+          <p:nvPr/>
+        </p:nvSpPr>
+        <p:spPr>
+          <a:xfrm>
+            <a:off x="1843790" y="3410262"/>
+            <a:ext cx="3882453" cy="646331"/>
+          </a:xfrm>
+          <a:prstGeom prst="rect">
+            <a:avLst/>
+          </a:prstGeom>
+          <a:noFill/>
+        </p:spPr>
+        <p:txBody>
+          <a:bodyPr wrap="square" rtlCol="0">
+            <a:spAutoFit/>
+          </a:bodyPr>
+          <a:lstStyle/>
+          <a:p>
+            <a:r>
+              <a:rPr lang="en-US" sz="3600" b="1" dirty="0" smtClean="0">
+                <a:effectLst>
+                  <a:outerShdw blurRad="50800" dist="38100" dir="18900000" algn="bl" rotWithShape="0">
+                    <a:prstClr val="black">
+                      <a:alpha val="40000"/>
+                    </a:prstClr>
+                  </a:outerShdw>
+                </a:effectLst>
+              </a:rPr>
+              <a:t>Open README.txt</a:t>
+            </a:r>
+            <a:endParaRPr lang="en-US" sz="3600" b="1" dirty="0">
+              <a:effectLst>
+                <a:outerShdw blurRad="50800" dist="38100" dir="18900000" algn="bl" rotWithShape="0">
+                  <a:prstClr val="black">
+                    <a:alpha val="40000"/>
+                  </a:prstClr>
+                </a:outerShdw>
+              </a:effectLst>
+            </a:endParaRPr>
+          </a:p>
+        </p:txBody>
+      </p:sp>
+    </p:spTree>
+    <p:extLst>
+      <p:ext uri="{BB962C8B-B14F-4D97-AF65-F5344CB8AC3E}">
+        <p14:creationId xmlns:p14="http://schemas.microsoft.com/office/powerpoint/2010/main" val="1795061080"/>
+      </p:ext>
+    </p:extLst>
+  </p:cSld>
+  <p:clrMapOvr>
+    <a:masterClrMapping/>
+  </p:clrMapOvr>
+  <p:timing>
+    <p:tnLst>
+      <p:par>
+        <p:cTn id="1" dur="indefinite" restart="never" nodeType="tmRoot"/>
+      </p:par>
+    </p:tnLst>
+  </p:timing>
+</p:sld>
+</file>
+
+<file path=ppt/slides/slide23.xml><?xml version="1.0" encoding="utf-8"?>
+<p:sld xmlns:a="http://schemas.openxmlformats.org/drawingml/2006/main" xmlns:r="http://schemas.openxmlformats.org/officeDocument/2006/relationships" xmlns:p="http://schemas.openxmlformats.org/presentationml/2006/main">
+  <p:cSld>
+    <p:spTree>
+      <p:nvGrpSpPr>
+        <p:cNvPr id="1" name=""/>
+        <p:cNvGrpSpPr/>
+        <p:nvPr/>
+      </p:nvGrpSpPr>
+      <p:grpSpPr>
+        <a:xfrm>
+          <a:off x="0" y="0"/>
+          <a:ext cx="0" cy="0"/>
+          <a:chOff x="0" y="0"/>
+          <a:chExt cx="0" cy="0"/>
+        </a:xfrm>
+      </p:grpSpPr>
+      <p:pic>
+        <p:nvPicPr>
+          <p:cNvPr id="2" name="Picture 1"/>
+          <p:cNvPicPr>
+            <a:picLocks noChangeAspect="1"/>
+          </p:cNvPicPr>
+          <p:nvPr/>
+        </p:nvPicPr>
+        <p:blipFill>
+          <a:blip r:embed="rId2">
+            <a:extLst>
+              <a:ext uri="{28A0092B-C50C-407E-A947-70E740481C1C}">
+                <a14:useLocalDpi xmlns:a14="http://schemas.microsoft.com/office/drawing/2010/main" val="0"/>
+              </a:ext>
+            </a:extLst>
+          </a:blip>
+          <a:stretch>
+            <a:fillRect/>
+          </a:stretch>
+        </p:blipFill>
+        <p:spPr>
+          <a:xfrm>
+            <a:off x="0" y="858505"/>
+            <a:ext cx="9144000" cy="5140990"/>
+          </a:xfrm>
+          <a:prstGeom prst="rect">
+            <a:avLst/>
+          </a:prstGeom>
+        </p:spPr>
+      </p:pic>
+      <p:sp>
+        <p:nvSpPr>
+          <p:cNvPr id="3" name="TextBox 2"/>
+          <p:cNvSpPr txBox="1"/>
+          <p:nvPr/>
+        </p:nvSpPr>
+        <p:spPr>
+          <a:xfrm>
+            <a:off x="3837482" y="3455233"/>
+            <a:ext cx="4601980" cy="1200329"/>
+          </a:xfrm>
+          <a:prstGeom prst="rect">
+            <a:avLst/>
+          </a:prstGeom>
+          <a:noFill/>
+        </p:spPr>
+        <p:txBody>
+          <a:bodyPr wrap="square" rtlCol="0">
+            <a:spAutoFit/>
+          </a:bodyPr>
+          <a:lstStyle/>
+          <a:p>
+            <a:r>
+              <a:rPr lang="en-US" sz="3600" b="1" dirty="0" smtClean="0">
+                <a:effectLst>
+                  <a:outerShdw blurRad="50800" dist="38100" dir="18900000" algn="bl" rotWithShape="0">
+                    <a:prstClr val="black">
+                      <a:alpha val="40000"/>
+                    </a:prstClr>
+                  </a:outerShdw>
+                </a:effectLst>
+              </a:rPr>
+              <a:t>The data is not stored on the disk!</a:t>
+            </a:r>
+            <a:endParaRPr lang="en-US" sz="3600" b="1" dirty="0">
+              <a:effectLst>
+                <a:outerShdw blurRad="50800" dist="38100" dir="18900000" algn="bl" rotWithShape="0">
+                  <a:prstClr val="black">
+                    <a:alpha val="40000"/>
+                  </a:prstClr>
+                </a:outerShdw>
+              </a:effectLst>
+            </a:endParaRPr>
+          </a:p>
+        </p:txBody>
+      </p:sp>
+    </p:spTree>
+    <p:extLst>
+      <p:ext uri="{BB962C8B-B14F-4D97-AF65-F5344CB8AC3E}">
+        <p14:creationId xmlns:p14="http://schemas.microsoft.com/office/powerpoint/2010/main" val="3219283609"/>
+      </p:ext>
+    </p:extLst>
+  </p:cSld>
+  <p:clrMapOvr>
+    <a:masterClrMapping/>
+  </p:clrMapOvr>
+  <p:timing>
+    <p:tnLst>
+      <p:par>
+        <p:cTn id="1" dur="indefinite" restart="never" nodeType="tmRoot"/>
+      </p:par>
+    </p:tnLst>
+  </p:timing>
+</p:sld>
+</file>
+
+<file path=ppt/slides/slide24.xml><?xml version="1.0" encoding="utf-8"?>
+<p:sld xmlns:a="http://schemas.openxmlformats.org/drawingml/2006/main" xmlns:r="http://schemas.openxmlformats.org/officeDocument/2006/relationships" xmlns:p="http://schemas.openxmlformats.org/presentationml/2006/main">
+  <p:cSld>
+    <p:spTree>
+      <p:nvGrpSpPr>
+        <p:cNvPr id="1" name=""/>
+        <p:cNvGrpSpPr/>
+        <p:nvPr/>
+      </p:nvGrpSpPr>
+      <p:grpSpPr>
+        <a:xfrm>
+          <a:off x="0" y="0"/>
+          <a:ext cx="0" cy="0"/>
+          <a:chOff x="0" y="0"/>
+          <a:chExt cx="0" cy="0"/>
+        </a:xfrm>
+      </p:grpSpPr>
+      <p:pic>
+        <p:nvPicPr>
+          <p:cNvPr id="2" name="Picture 1"/>
+          <p:cNvPicPr>
+            <a:picLocks noChangeAspect="1"/>
+          </p:cNvPicPr>
+          <p:nvPr/>
+        </p:nvPicPr>
+        <p:blipFill>
+          <a:blip r:embed="rId2">
+            <a:extLst>
+              <a:ext uri="{28A0092B-C50C-407E-A947-70E740481C1C}">
+                <a14:useLocalDpi xmlns:a14="http://schemas.microsoft.com/office/drawing/2010/main" val="0"/>
+              </a:ext>
+            </a:extLst>
+          </a:blip>
+          <a:stretch>
+            <a:fillRect/>
+          </a:stretch>
+        </p:blipFill>
+        <p:spPr>
+          <a:xfrm>
+            <a:off x="0" y="858505"/>
+            <a:ext cx="9144000" cy="5140990"/>
+          </a:xfrm>
+          <a:prstGeom prst="rect">
+            <a:avLst/>
+          </a:prstGeom>
+        </p:spPr>
+      </p:pic>
+      <p:sp>
+        <p:nvSpPr>
+          <p:cNvPr id="4" name="TextBox 3"/>
+          <p:cNvSpPr txBox="1"/>
+          <p:nvPr/>
+        </p:nvSpPr>
+        <p:spPr>
+          <a:xfrm>
+            <a:off x="2728208" y="4624466"/>
+            <a:ext cx="5456419" cy="646331"/>
+          </a:xfrm>
+          <a:prstGeom prst="rect">
+            <a:avLst/>
+          </a:prstGeom>
+          <a:noFill/>
+        </p:spPr>
+        <p:txBody>
+          <a:bodyPr wrap="square" rtlCol="0">
+            <a:spAutoFit/>
+          </a:bodyPr>
+          <a:lstStyle/>
+          <a:p>
+            <a:r>
+              <a:rPr lang="en-US" sz="3600" b="1" dirty="0" smtClean="0">
+                <a:effectLst>
+                  <a:outerShdw blurRad="50800" dist="38100" dir="18900000" algn="bl" rotWithShape="0">
+                    <a:prstClr val="black">
+                      <a:alpha val="40000"/>
+                    </a:prstClr>
+                  </a:outerShdw>
+                </a:effectLst>
+              </a:rPr>
+              <a:t>Share your own folder</a:t>
+            </a:r>
+            <a:endParaRPr lang="en-US" sz="3600" b="1" dirty="0">
+              <a:effectLst>
+                <a:outerShdw blurRad="50800" dist="38100" dir="18900000" algn="bl" rotWithShape="0">
+                  <a:prstClr val="black">
+                    <a:alpha val="40000"/>
+                  </a:prstClr>
+                </a:outerShdw>
+              </a:effectLst>
+            </a:endParaRPr>
+          </a:p>
+        </p:txBody>
+      </p:sp>
+    </p:spTree>
+    <p:extLst>
+      <p:ext uri="{BB962C8B-B14F-4D97-AF65-F5344CB8AC3E}">
+        <p14:creationId xmlns:p14="http://schemas.microsoft.com/office/powerpoint/2010/main" val="2577811568"/>
+      </p:ext>
+    </p:extLst>
+  </p:cSld>
+  <p:clrMapOvr>
+    <a:masterClrMapping/>
+  </p:clrMapOvr>
+  <p:timing>
+    <p:tnLst>
+      <p:par>
+        <p:cTn id="1" dur="indefinite" restart="never" nodeType="tmRoot"/>
+      </p:par>
+    </p:tnLst>
+  </p:timing>
+</p:sld>
+</file>
+
+<file path=ppt/slides/slide25.xml><?xml version="1.0" encoding="utf-8"?>
+<p:sld xmlns:a="http://schemas.openxmlformats.org/drawingml/2006/main" xmlns:r="http://schemas.openxmlformats.org/officeDocument/2006/relationships" xmlns:p="http://schemas.openxmlformats.org/presentationml/2006/main">
+  <p:cSld>
+    <p:spTree>
+      <p:nvGrpSpPr>
+        <p:cNvPr id="1" name=""/>
+        <p:cNvGrpSpPr/>
+        <p:nvPr/>
+      </p:nvGrpSpPr>
+      <p:grpSpPr>
+        <a:xfrm>
+          <a:off x="0" y="0"/>
+          <a:ext cx="0" cy="0"/>
+          <a:chOff x="0" y="0"/>
+          <a:chExt cx="0" cy="0"/>
+        </a:xfrm>
+      </p:grpSpPr>
+      <p:pic>
+        <p:nvPicPr>
+          <p:cNvPr id="2" name="Picture 1"/>
+          <p:cNvPicPr>
+            <a:picLocks noChangeAspect="1"/>
+          </p:cNvPicPr>
+          <p:nvPr/>
+        </p:nvPicPr>
+        <p:blipFill>
+          <a:blip r:embed="rId2">
+            <a:extLst>
+              <a:ext uri="{28A0092B-C50C-407E-A947-70E740481C1C}">
+                <a14:useLocalDpi xmlns:a14="http://schemas.microsoft.com/office/drawing/2010/main" val="0"/>
+              </a:ext>
+            </a:extLst>
+          </a:blip>
+          <a:stretch>
+            <a:fillRect/>
+          </a:stretch>
+        </p:blipFill>
+        <p:spPr>
+          <a:xfrm>
+            <a:off x="0" y="858505"/>
+            <a:ext cx="9144000" cy="5140990"/>
+          </a:xfrm>
+          <a:prstGeom prst="rect">
+            <a:avLst/>
+          </a:prstGeom>
+        </p:spPr>
+      </p:pic>
+      <p:sp>
+        <p:nvSpPr>
+          <p:cNvPr id="3" name="TextBox 2"/>
+          <p:cNvSpPr txBox="1"/>
+          <p:nvPr/>
+        </p:nvSpPr>
+        <p:spPr>
+          <a:xfrm>
+            <a:off x="2398425" y="4324663"/>
+            <a:ext cx="5456419" cy="646331"/>
+          </a:xfrm>
+          <a:prstGeom prst="rect">
+            <a:avLst/>
+          </a:prstGeom>
+          <a:noFill/>
+        </p:spPr>
+        <p:txBody>
+          <a:bodyPr wrap="square" rtlCol="0">
+            <a:spAutoFit/>
+          </a:bodyPr>
+          <a:lstStyle/>
+          <a:p>
+            <a:r>
+              <a:rPr lang="en-US" sz="3600" b="1" dirty="0" smtClean="0">
+                <a:effectLst>
+                  <a:outerShdw blurRad="50800" dist="38100" dir="18900000" algn="bl" rotWithShape="0">
+                    <a:prstClr val="black">
+                      <a:alpha val="40000"/>
+                    </a:prstClr>
+                  </a:outerShdw>
+                </a:effectLst>
+              </a:rPr>
+              <a:t>Copy address to clipboard</a:t>
+            </a:r>
+            <a:endParaRPr lang="en-US" sz="3600" b="1" dirty="0">
+              <a:effectLst>
+                <a:outerShdw blurRad="50800" dist="38100" dir="18900000" algn="bl" rotWithShape="0">
+                  <a:prstClr val="black">
+                    <a:alpha val="40000"/>
+                  </a:prstClr>
+                </a:outerShdw>
+              </a:effectLst>
+            </a:endParaRPr>
+          </a:p>
+        </p:txBody>
+      </p:sp>
+    </p:spTree>
+    <p:extLst>
+      <p:ext uri="{BB962C8B-B14F-4D97-AF65-F5344CB8AC3E}">
+        <p14:creationId xmlns:p14="http://schemas.microsoft.com/office/powerpoint/2010/main" val="1777109086"/>
+      </p:ext>
+    </p:extLst>
+  </p:cSld>
+  <p:clrMapOvr>
+    <a:masterClrMapping/>
+  </p:clrMapOvr>
+  <p:timing>
+    <p:tnLst>
+      <p:par>
+        <p:cTn id="1" dur="indefinite" restart="never" nodeType="tmRoot"/>
+      </p:par>
+    </p:tnLst>
+  </p:timing>
+</p:sld>
+</file>
+
+<file path=ppt/slides/slide26.xml><?xml version="1.0" encoding="utf-8"?>
+<p:sld xmlns:a="http://schemas.openxmlformats.org/drawingml/2006/main" xmlns:r="http://schemas.openxmlformats.org/officeDocument/2006/relationships" xmlns:p="http://schemas.openxmlformats.org/presentationml/2006/main">
+  <p:cSld>
+    <p:spTree>
+      <p:nvGrpSpPr>
+        <p:cNvPr id="1" name=""/>
+        <p:cNvGrpSpPr/>
+        <p:nvPr/>
+      </p:nvGrpSpPr>
+      <p:grpSpPr>
+        <a:xfrm>
+          <a:off x="0" y="0"/>
+          <a:ext cx="0" cy="0"/>
+          <a:chOff x="0" y="0"/>
+          <a:chExt cx="0" cy="0"/>
+        </a:xfrm>
+      </p:grpSpPr>
+      <p:pic>
+        <p:nvPicPr>
+          <p:cNvPr id="2" name="Picture 1"/>
+          <p:cNvPicPr>
+            <a:picLocks noChangeAspect="1"/>
+          </p:cNvPicPr>
+          <p:nvPr/>
+        </p:nvPicPr>
+        <p:blipFill>
+          <a:blip r:embed="rId2">
+            <a:extLst>
+              <a:ext uri="{28A0092B-C50C-407E-A947-70E740481C1C}">
+                <a14:useLocalDpi xmlns:a14="http://schemas.microsoft.com/office/drawing/2010/main" val="0"/>
+              </a:ext>
+            </a:extLst>
+          </a:blip>
+          <a:stretch>
+            <a:fillRect/>
+          </a:stretch>
+        </p:blipFill>
+        <p:spPr>
+          <a:xfrm>
+            <a:off x="0" y="858505"/>
+            <a:ext cx="9144000" cy="5140990"/>
+          </a:xfrm>
+          <a:prstGeom prst="rect">
+            <a:avLst/>
+          </a:prstGeom>
+        </p:spPr>
+      </p:pic>
+      <p:sp>
+        <p:nvSpPr>
+          <p:cNvPr id="3" name="TextBox 2"/>
+          <p:cNvSpPr txBox="1"/>
+          <p:nvPr/>
+        </p:nvSpPr>
+        <p:spPr>
+          <a:xfrm>
+            <a:off x="2698228" y="3105834"/>
+            <a:ext cx="4212237" cy="646331"/>
+          </a:xfrm>
+          <a:prstGeom prst="rect">
+            <a:avLst/>
+          </a:prstGeom>
+          <a:noFill/>
+        </p:spPr>
+        <p:txBody>
+          <a:bodyPr wrap="square" rtlCol="0">
+            <a:spAutoFit/>
+          </a:bodyPr>
+          <a:lstStyle/>
+          <a:p>
+            <a:r>
+              <a:rPr lang="en-US" sz="3600" b="1" dirty="0" smtClean="0">
+                <a:effectLst>
+                  <a:outerShdw blurRad="50800" dist="38100" dir="18900000" algn="bl" rotWithShape="0">
+                    <a:prstClr val="black">
+                      <a:alpha val="40000"/>
+                    </a:prstClr>
+                  </a:outerShdw>
+                </a:effectLst>
+              </a:rPr>
+              <a:t>Edit folder’s settings</a:t>
+            </a:r>
+            <a:endParaRPr lang="en-US" sz="3600" b="1" dirty="0">
+              <a:effectLst>
+                <a:outerShdw blurRad="50800" dist="38100" dir="18900000" algn="bl" rotWithShape="0">
+                  <a:prstClr val="black">
+                    <a:alpha val="40000"/>
+                  </a:prstClr>
+                </a:outerShdw>
+              </a:effectLst>
+            </a:endParaRPr>
+          </a:p>
+        </p:txBody>
+      </p:sp>
+    </p:spTree>
+    <p:extLst>
+      <p:ext uri="{BB962C8B-B14F-4D97-AF65-F5344CB8AC3E}">
+        <p14:creationId xmlns:p14="http://schemas.microsoft.com/office/powerpoint/2010/main" val="1257399520"/>
+      </p:ext>
+    </p:extLst>
+  </p:cSld>
+  <p:clrMapOvr>
+    <a:masterClrMapping/>
+  </p:clrMapOvr>
+  <p:timing>
+    <p:tnLst>
+      <p:par>
+        <p:cTn id="1" dur="indefinite" restart="never" nodeType="tmRoot"/>
+      </p:par>
+    </p:tnLst>
+  </p:timing>
+</p:sld>
+</file>
+
+<file path=ppt/slides/slide27.xml><?xml version="1.0" encoding="utf-8"?>
+<p:sld xmlns:a="http://schemas.openxmlformats.org/drawingml/2006/main" xmlns:r="http://schemas.openxmlformats.org/officeDocument/2006/relationships" xmlns:p="http://schemas.openxmlformats.org/presentationml/2006/main">
+  <p:cSld>
+    <p:spTree>
+      <p:nvGrpSpPr>
+        <p:cNvPr id="1" name=""/>
+        <p:cNvGrpSpPr/>
+        <p:nvPr/>
+      </p:nvGrpSpPr>
+      <p:grpSpPr>
+        <a:xfrm>
+          <a:off x="0" y="0"/>
+          <a:ext cx="0" cy="0"/>
+          <a:chOff x="0" y="0"/>
+          <a:chExt cx="0" cy="0"/>
+        </a:xfrm>
+      </p:grpSpPr>
+      <p:pic>
+        <p:nvPicPr>
+          <p:cNvPr id="2" name="Picture 1"/>
+          <p:cNvPicPr>
+            <a:picLocks noChangeAspect="1"/>
+          </p:cNvPicPr>
+          <p:nvPr/>
+        </p:nvPicPr>
+        <p:blipFill>
+          <a:blip r:embed="rId2">
+            <a:extLst>
+              <a:ext uri="{28A0092B-C50C-407E-A947-70E740481C1C}">
+                <a14:useLocalDpi xmlns:a14="http://schemas.microsoft.com/office/drawing/2010/main" val="0"/>
+              </a:ext>
+            </a:extLst>
+          </a:blip>
+          <a:stretch>
+            <a:fillRect/>
+          </a:stretch>
+        </p:blipFill>
+        <p:spPr>
+          <a:xfrm>
+            <a:off x="0" y="858505"/>
+            <a:ext cx="9144000" cy="5140990"/>
+          </a:xfrm>
+          <a:prstGeom prst="rect">
+            <a:avLst/>
+          </a:prstGeom>
+        </p:spPr>
+      </p:pic>
+      <p:sp>
+        <p:nvSpPr>
+          <p:cNvPr id="3" name="TextBox 2"/>
+          <p:cNvSpPr txBox="1"/>
+          <p:nvPr/>
+        </p:nvSpPr>
+        <p:spPr>
+          <a:xfrm>
+            <a:off x="3507697" y="1711749"/>
+            <a:ext cx="4991726" cy="646331"/>
+          </a:xfrm>
+          <a:prstGeom prst="rect">
+            <a:avLst/>
+          </a:prstGeom>
+          <a:noFill/>
+        </p:spPr>
+        <p:txBody>
+          <a:bodyPr wrap="square" rtlCol="0">
+            <a:spAutoFit/>
+          </a:bodyPr>
+          <a:lstStyle/>
+          <a:p>
+            <a:r>
+              <a:rPr lang="en-US" sz="3600" b="1" dirty="0" smtClean="0">
+                <a:effectLst>
+                  <a:outerShdw blurRad="50800" dist="38100" dir="18900000" algn="bl" rotWithShape="0">
+                    <a:prstClr val="black">
+                      <a:alpha val="40000"/>
+                    </a:prstClr>
+                  </a:outerShdw>
+                </a:effectLst>
+              </a:rPr>
+              <a:t>Edit folder’s settings</a:t>
+            </a:r>
+            <a:endParaRPr lang="en-US" sz="3600" b="1" dirty="0">
+              <a:effectLst>
+                <a:outerShdw blurRad="50800" dist="38100" dir="18900000" algn="bl" rotWithShape="0">
+                  <a:prstClr val="black">
+                    <a:alpha val="40000"/>
+                  </a:prstClr>
+                </a:outerShdw>
+              </a:effectLst>
+            </a:endParaRPr>
+          </a:p>
+        </p:txBody>
+      </p:sp>
+    </p:spTree>
+    <p:extLst>
+      <p:ext uri="{BB962C8B-B14F-4D97-AF65-F5344CB8AC3E}">
+        <p14:creationId xmlns:p14="http://schemas.microsoft.com/office/powerpoint/2010/main" val="3838593407"/>
+      </p:ext>
+    </p:extLst>
+  </p:cSld>
+  <p:clrMapOvr>
+    <a:masterClrMapping/>
+  </p:clrMapOvr>
+  <p:timing>
+    <p:tnLst>
+      <p:par>
+        <p:cTn id="1" dur="indefinite" restart="never" nodeType="tmRoot"/>
+      </p:par>
+    </p:tnLst>
+  </p:timing>
+</p:sld>
+</file>
+
+<file path=ppt/slides/slide28.xml><?xml version="1.0" encoding="utf-8"?>
+<p:sld xmlns:a="http://schemas.openxmlformats.org/drawingml/2006/main" xmlns:r="http://schemas.openxmlformats.org/officeDocument/2006/relationships" xmlns:p="http://schemas.openxmlformats.org/presentationml/2006/main">
+  <p:cSld>
+    <p:spTree>
+      <p:nvGrpSpPr>
+        <p:cNvPr id="1" name=""/>
+        <p:cNvGrpSpPr/>
+        <p:nvPr/>
+      </p:nvGrpSpPr>
+      <p:grpSpPr>
+        <a:xfrm>
+          <a:off x="0" y="0"/>
+          <a:ext cx="0" cy="0"/>
+          <a:chOff x="0" y="0"/>
+          <a:chExt cx="0" cy="0"/>
+        </a:xfrm>
+      </p:grpSpPr>
+      <p:pic>
+        <p:nvPicPr>
+          <p:cNvPr id="2" name="Picture 1"/>
+          <p:cNvPicPr>
+            <a:picLocks noChangeAspect="1"/>
+          </p:cNvPicPr>
+          <p:nvPr/>
+        </p:nvPicPr>
+        <p:blipFill>
+          <a:blip r:embed="rId2">
+            <a:extLst>
+              <a:ext uri="{28A0092B-C50C-407E-A947-70E740481C1C}">
+                <a14:useLocalDpi xmlns:a14="http://schemas.microsoft.com/office/drawing/2010/main" val="0"/>
+              </a:ext>
+            </a:extLst>
+          </a:blip>
+          <a:stretch>
+            <a:fillRect/>
+          </a:stretch>
+        </p:blipFill>
+        <p:spPr>
+          <a:xfrm>
+            <a:off x="0" y="858505"/>
+            <a:ext cx="9144000" cy="5140990"/>
+          </a:xfrm>
+          <a:prstGeom prst="rect">
+            <a:avLst/>
+          </a:prstGeom>
+        </p:spPr>
+      </p:pic>
+    </p:spTree>
+    <p:extLst>
+      <p:ext uri="{BB962C8B-B14F-4D97-AF65-F5344CB8AC3E}">
+        <p14:creationId xmlns:p14="http://schemas.microsoft.com/office/powerpoint/2010/main" val="39052419"/>
+      </p:ext>
+    </p:extLst>
+  </p:cSld>
+  <p:clrMapOvr>
+    <a:masterClrMapping/>
+  </p:clrMapOvr>
+  <p:timing>
+    <p:tnLst>
+      <p:par>
+        <p:cTn id="1" dur="indefinite" restart="never" nodeType="tmRoot"/>
+      </p:par>
+    </p:tnLst>
+  </p:timing>
+</p:sld>
+</file>
+
+<file path=ppt/slides/slide29.xml><?xml version="1.0" encoding="utf-8"?>
+<p:sld xmlns:a="http://schemas.openxmlformats.org/drawingml/2006/main" xmlns:r="http://schemas.openxmlformats.org/officeDocument/2006/relationships" xmlns:p="http://schemas.openxmlformats.org/presentationml/2006/main">
+  <p:cSld>
+    <p:spTree>
+      <p:nvGrpSpPr>
+        <p:cNvPr id="1" name=""/>
+        <p:cNvGrpSpPr/>
+        <p:nvPr/>
+      </p:nvGrpSpPr>
+      <p:grpSpPr>
+        <a:xfrm>
+          <a:off x="0" y="0"/>
+          <a:ext cx="0" cy="0"/>
+          <a:chOff x="0" y="0"/>
+          <a:chExt cx="0" cy="0"/>
+        </a:xfrm>
+      </p:grpSpPr>
+      <p:pic>
+        <p:nvPicPr>
+          <p:cNvPr id="2" name="Picture 1"/>
+          <p:cNvPicPr>
+            <a:picLocks noChangeAspect="1"/>
+          </p:cNvPicPr>
+          <p:nvPr/>
+        </p:nvPicPr>
+        <p:blipFill>
+          <a:blip r:embed="rId2">
+            <a:extLst>
+              <a:ext uri="{28A0092B-C50C-407E-A947-70E740481C1C}">
+                <a14:useLocalDpi xmlns:a14="http://schemas.microsoft.com/office/drawing/2010/main" val="0"/>
+              </a:ext>
+            </a:extLst>
+          </a:blip>
+          <a:stretch>
+            <a:fillRect/>
+          </a:stretch>
+        </p:blipFill>
+        <p:spPr>
+          <a:xfrm>
+            <a:off x="0" y="858505"/>
+            <a:ext cx="9144000" cy="5140990"/>
+          </a:xfrm>
+          <a:prstGeom prst="rect">
+            <a:avLst/>
+          </a:prstGeom>
+        </p:spPr>
+      </p:pic>
+    </p:spTree>
+    <p:extLst>
+      <p:ext uri="{BB962C8B-B14F-4D97-AF65-F5344CB8AC3E}">
+        <p14:creationId xmlns:p14="http://schemas.microsoft.com/office/powerpoint/2010/main" val="689412942"/>
       </p:ext>
     </p:extLst>
   </p:cSld>
@@ -4649,36 +6769,6 @@
           <a:chExt cx="0" cy="0"/>
         </a:xfrm>
       </p:grpSpPr>
-      <p:pic>
-        <p:nvPicPr>
-          <p:cNvPr id="4" name="Picture 3"/>
-          <p:cNvPicPr>
-            <a:picLocks noChangeAspect="1"/>
-          </p:cNvPicPr>
-          <p:nvPr/>
-        </p:nvPicPr>
-        <p:blipFill>
-          <a:blip r:embed="rId2">
-            <a:extLst>
-              <a:ext uri="{28A0092B-C50C-407E-A947-70E740481C1C}">
-                <a14:useLocalDpi xmlns:a14="http://schemas.microsoft.com/office/drawing/2010/main" val="0"/>
-              </a:ext>
-            </a:extLst>
-          </a:blip>
-          <a:stretch>
-            <a:fillRect/>
-          </a:stretch>
-        </p:blipFill>
-        <p:spPr>
-          <a:xfrm>
-            <a:off x="0" y="-5081"/>
-            <a:ext cx="9144000" cy="6868161"/>
-          </a:xfrm>
-          <a:prstGeom prst="rect">
-            <a:avLst/>
-          </a:prstGeom>
-        </p:spPr>
-      </p:pic>
       <p:sp>
         <p:nvSpPr>
           <p:cNvPr id="2" name="Title 1"/>
@@ -4964,7 +7054,7 @@
           <p:nvPr/>
         </p:nvPicPr>
         <p:blipFill>
-          <a:blip r:embed="rId3" cstate="print">
+          <a:blip r:embed="rId2" cstate="print">
             <a:extLst>
               <a:ext uri="{28A0092B-C50C-407E-A947-70E740481C1C}">
                 <a14:useLocalDpi xmlns:a14="http://schemas.microsoft.com/office/drawing/2010/main" val="0"/>
@@ -5012,7 +7102,7 @@
           <p:nvPr/>
         </p:nvPicPr>
         <p:blipFill>
-          <a:blip r:embed="rId4">
+          <a:blip r:embed="rId3">
             <a:extLst>
               <a:ext uri="{28A0092B-C50C-407E-A947-70E740481C1C}">
                 <a14:useLocalDpi xmlns:a14="http://schemas.microsoft.com/office/drawing/2010/main" val="0"/>
@@ -5203,7 +7293,7 @@
           <p:nvPr/>
         </p:nvPicPr>
         <p:blipFill>
-          <a:blip r:embed="rId5" cstate="print">
+          <a:blip r:embed="rId4" cstate="print">
             <a:extLst>
               <a:ext uri="{28A0092B-C50C-407E-A947-70E740481C1C}">
                 <a14:useLocalDpi xmlns:a14="http://schemas.microsoft.com/office/drawing/2010/main" val="0"/>
@@ -5263,7 +7353,7 @@
       </p:grpSpPr>
       <p:pic>
         <p:nvPicPr>
-          <p:cNvPr id="4" name="Picture 3"/>
+          <p:cNvPr id="10" name="Picture 9"/>
           <p:cNvPicPr>
             <a:picLocks noChangeAspect="1"/>
           </p:cNvPicPr>
@@ -5271,36 +7361,6 @@
         </p:nvPicPr>
         <p:blipFill>
           <a:blip r:embed="rId2">
-            <a:extLst>
-              <a:ext uri="{28A0092B-C50C-407E-A947-70E740481C1C}">
-                <a14:useLocalDpi xmlns:a14="http://schemas.microsoft.com/office/drawing/2010/main" val="0"/>
-              </a:ext>
-            </a:extLst>
-          </a:blip>
-          <a:stretch>
-            <a:fillRect/>
-          </a:stretch>
-        </p:blipFill>
-        <p:spPr>
-          <a:xfrm>
-            <a:off x="0" y="-5081"/>
-            <a:ext cx="9144000" cy="6868161"/>
-          </a:xfrm>
-          <a:prstGeom prst="rect">
-            <a:avLst/>
-          </a:prstGeom>
-        </p:spPr>
-      </p:pic>
-      <p:pic>
-        <p:nvPicPr>
-          <p:cNvPr id="10" name="Picture 9"/>
-          <p:cNvPicPr>
-            <a:picLocks noChangeAspect="1"/>
-          </p:cNvPicPr>
-          <p:nvPr/>
-        </p:nvPicPr>
-        <p:blipFill>
-          <a:blip r:embed="rId3">
             <a:extLst>
               <a:ext uri="{28A0092B-C50C-407E-A947-70E740481C1C}">
                 <a14:useLocalDpi xmlns:a14="http://schemas.microsoft.com/office/drawing/2010/main" val="0"/>
@@ -5554,36 +7614,6 @@
           <a:chExt cx="0" cy="0"/>
         </a:xfrm>
       </p:grpSpPr>
-      <p:pic>
-        <p:nvPicPr>
-          <p:cNvPr id="5" name="Picture 4"/>
-          <p:cNvPicPr>
-            <a:picLocks noChangeAspect="1"/>
-          </p:cNvPicPr>
-          <p:nvPr/>
-        </p:nvPicPr>
-        <p:blipFill>
-          <a:blip r:embed="rId2">
-            <a:extLst>
-              <a:ext uri="{28A0092B-C50C-407E-A947-70E740481C1C}">
-                <a14:useLocalDpi xmlns:a14="http://schemas.microsoft.com/office/drawing/2010/main" val="0"/>
-              </a:ext>
-            </a:extLst>
-          </a:blip>
-          <a:stretch>
-            <a:fillRect/>
-          </a:stretch>
-        </p:blipFill>
-        <p:spPr>
-          <a:xfrm>
-            <a:off x="0" y="-5081"/>
-            <a:ext cx="9144000" cy="6868161"/>
-          </a:xfrm>
-          <a:prstGeom prst="rect">
-            <a:avLst/>
-          </a:prstGeom>
-        </p:spPr>
-      </p:pic>
       <p:sp>
         <p:nvSpPr>
           <p:cNvPr id="2" name="Title 1"/>
@@ -6047,7 +8077,7 @@
           <p:nvPr/>
         </p:nvPicPr>
         <p:blipFill>
-          <a:blip r:embed="rId3" cstate="print">
+          <a:blip r:embed="rId2" cstate="print">
             <a:extLst>
               <a:ext uri="{28A0092B-C50C-407E-A947-70E740481C1C}">
                 <a14:useLocalDpi xmlns:a14="http://schemas.microsoft.com/office/drawing/2010/main" val="0"/>
@@ -6325,36 +8355,6 @@
           <a:chExt cx="0" cy="0"/>
         </a:xfrm>
       </p:grpSpPr>
-      <p:pic>
-        <p:nvPicPr>
-          <p:cNvPr id="9" name="Picture 8"/>
-          <p:cNvPicPr>
-            <a:picLocks noChangeAspect="1"/>
-          </p:cNvPicPr>
-          <p:nvPr/>
-        </p:nvPicPr>
-        <p:blipFill>
-          <a:blip r:embed="rId2">
-            <a:extLst>
-              <a:ext uri="{28A0092B-C50C-407E-A947-70E740481C1C}">
-                <a14:useLocalDpi xmlns:a14="http://schemas.microsoft.com/office/drawing/2010/main" val="0"/>
-              </a:ext>
-            </a:extLst>
-          </a:blip>
-          <a:stretch>
-            <a:fillRect/>
-          </a:stretch>
-        </p:blipFill>
-        <p:spPr>
-          <a:xfrm>
-            <a:off x="0" y="-5081"/>
-            <a:ext cx="9144000" cy="6868161"/>
-          </a:xfrm>
-          <a:prstGeom prst="rect">
-            <a:avLst/>
-          </a:prstGeom>
-        </p:spPr>
-      </p:pic>
       <p:sp>
         <p:nvSpPr>
           <p:cNvPr id="2" name="Title 1"/>
@@ -6771,7 +8771,7 @@
           <p:nvPr/>
         </p:nvPicPr>
         <p:blipFill>
-          <a:blip r:embed="rId3" cstate="print">
+          <a:blip r:embed="rId2" cstate="print">
             <a:extLst>
               <a:ext uri="{28A0092B-C50C-407E-A947-70E740481C1C}">
                 <a14:useLocalDpi xmlns:a14="http://schemas.microsoft.com/office/drawing/2010/main" val="0"/>
@@ -6808,7 +8808,7 @@
           <p:nvPr/>
         </p:nvPicPr>
         <p:blipFill>
-          <a:blip r:embed="rId4" cstate="print">
+          <a:blip r:embed="rId3" cstate="print">
             <a:extLst>
               <a:ext uri="{28A0092B-C50C-407E-A947-70E740481C1C}">
                 <a14:useLocalDpi xmlns:a14="http://schemas.microsoft.com/office/drawing/2010/main" val="0"/>
@@ -6884,36 +8884,6 @@
           <a:chExt cx="0" cy="0"/>
         </a:xfrm>
       </p:grpSpPr>
-      <p:pic>
-        <p:nvPicPr>
-          <p:cNvPr id="8" name="Picture 7"/>
-          <p:cNvPicPr>
-            <a:picLocks noChangeAspect="1"/>
-          </p:cNvPicPr>
-          <p:nvPr/>
-        </p:nvPicPr>
-        <p:blipFill>
-          <a:blip r:embed="rId3">
-            <a:extLst>
-              <a:ext uri="{28A0092B-C50C-407E-A947-70E740481C1C}">
-                <a14:useLocalDpi xmlns:a14="http://schemas.microsoft.com/office/drawing/2010/main" val="0"/>
-              </a:ext>
-            </a:extLst>
-          </a:blip>
-          <a:stretch>
-            <a:fillRect/>
-          </a:stretch>
-        </p:blipFill>
-        <p:spPr>
-          <a:xfrm>
-            <a:off x="0" y="-5081"/>
-            <a:ext cx="9144000" cy="6868161"/>
-          </a:xfrm>
-          <a:prstGeom prst="rect">
-            <a:avLst/>
-          </a:prstGeom>
-        </p:spPr>
-      </p:pic>
       <p:sp>
         <p:nvSpPr>
           <p:cNvPr id="2" name="Title 1"/>
@@ -7174,7 +9144,7 @@
         </p:nvSpPr>
         <p:spPr>
           <a:xfrm>
-            <a:off x="4291571" y="4379660"/>
+            <a:off x="4453675" y="4379660"/>
             <a:ext cx="3657600" cy="1828800"/>
           </a:xfrm>
           <a:prstGeom prst="rect">
@@ -7260,7 +9230,7 @@
           <p:nvPr/>
         </p:nvPicPr>
         <p:blipFill>
-          <a:blip r:embed="rId4">
+          <a:blip r:embed="rId3">
             <a:extLst>
               <a:ext uri="{28A0092B-C50C-407E-A947-70E740481C1C}">
                 <a14:useLocalDpi xmlns:a14="http://schemas.microsoft.com/office/drawing/2010/main" val="0"/>
@@ -7330,36 +9300,6 @@
           <a:chExt cx="0" cy="0"/>
         </a:xfrm>
       </p:grpSpPr>
-      <p:pic>
-        <p:nvPicPr>
-          <p:cNvPr id="4" name="Picture 3"/>
-          <p:cNvPicPr>
-            <a:picLocks noChangeAspect="1"/>
-          </p:cNvPicPr>
-          <p:nvPr/>
-        </p:nvPicPr>
-        <p:blipFill>
-          <a:blip r:embed="rId2">
-            <a:extLst>
-              <a:ext uri="{28A0092B-C50C-407E-A947-70E740481C1C}">
-                <a14:useLocalDpi xmlns:a14="http://schemas.microsoft.com/office/drawing/2010/main" val="0"/>
-              </a:ext>
-            </a:extLst>
-          </a:blip>
-          <a:stretch>
-            <a:fillRect/>
-          </a:stretch>
-        </p:blipFill>
-        <p:spPr>
-          <a:xfrm>
-            <a:off x="0" y="-5081"/>
-            <a:ext cx="9144000" cy="6868161"/>
-          </a:xfrm>
-          <a:prstGeom prst="rect">
-            <a:avLst/>
-          </a:prstGeom>
-        </p:spPr>
-      </p:pic>
       <p:sp>
         <p:nvSpPr>
           <p:cNvPr id="2" name="Title 1"/>
@@ -7586,6 +9526,13 @@
   <p:clrMapOvr>
     <a:masterClrMapping/>
   </p:clrMapOvr>
+  <p:timing>
+    <p:tnLst>
+      <p:par>
+        <p:cTn id="1" dur="indefinite" restart="never" nodeType="tmRoot"/>
+      </p:par>
+    </p:tnLst>
+  </p:timing>
 </p:sld>
 </file>
 
